--- a/source/lessons/lsn22-23/pointer_handout.pptx
+++ b/source/lessons/lsn22-23/pointer_handout.pptx
@@ -11,13 +11,13 @@
     <p:handoutMasterId r:id="rId7"/>
   </p:handoutMasterIdLst>
   <p:sldIdLst>
-    <p:sldId id="428" r:id="rId2"/>
-    <p:sldId id="430" r:id="rId3"/>
-    <p:sldId id="431" r:id="rId4"/>
+    <p:sldId id="434" r:id="rId2"/>
+    <p:sldId id="435" r:id="rId3"/>
+    <p:sldId id="436" r:id="rId4"/>
     <p:sldId id="433" r:id="rId5"/>
   </p:sldIdLst>
   <p:sldSz cx="9144000" cy="6858000" type="screen4x3"/>
-  <p:notesSz cx="7315200" cy="9601200"/>
+  <p:notesSz cx="7010400" cy="9296400"/>
   <p:defaultTextStyle>
     <a:defPPr>
       <a:defRPr lang="en-US"/>
@@ -152,6 +152,22 @@
       </a:defRPr>
     </a:lvl9pPr>
   </p:defaultTextStyle>
+  <p:extLst>
+    <p:ext uri="{EFAFB233-063F-42B5-8137-9DF3F51BA10A}">
+      <p15:sldGuideLst xmlns:p15="http://schemas.microsoft.com/office/powerpoint/2012/main">
+        <p15:guide id="1" orient="horz" pos="2160">
+          <p15:clr>
+            <a:srgbClr val="A4A3A4"/>
+          </p15:clr>
+        </p15:guide>
+        <p15:guide id="2" pos="2880">
+          <p15:clr>
+            <a:srgbClr val="A4A3A4"/>
+          </p15:clr>
+        </p15:guide>
+      </p15:sldGuideLst>
+    </p:ext>
+  </p:extLst>
 </p:presentation>
 </file>
 
@@ -192,8 +208,8 @@
         </p:nvSpPr>
         <p:spPr bwMode="auto">
           <a:xfrm>
-            <a:off x="1" y="0"/>
-            <a:ext cx="3169699" cy="479403"/>
+            <a:off x="2" y="0"/>
+            <a:ext cx="3037628" cy="464184"/>
           </a:xfrm>
           <a:prstGeom prst="rect">
             <a:avLst/>
@@ -208,13 +224,13 @@
           <a:effectLst/>
         </p:spPr>
         <p:txBody>
-          <a:bodyPr vert="horz" wrap="square" lIns="96723" tIns="48362" rIns="96723" bIns="48362" numCol="1" anchor="t" anchorCtr="0" compatLnSpc="1">
+          <a:bodyPr vert="horz" wrap="square" lIns="93231" tIns="46616" rIns="93231" bIns="46616" numCol="1" anchor="t" anchorCtr="0" compatLnSpc="1">
             <a:prstTxWarp prst="textNoShape">
               <a:avLst/>
             </a:prstTxWarp>
           </a:bodyPr>
           <a:lstStyle>
-            <a:lvl1pPr defTabSz="967194">
+            <a:lvl1pPr defTabSz="932278">
               <a:spcBef>
                 <a:spcPct val="0"/>
               </a:spcBef>
@@ -241,8 +257,8 @@
         </p:nvSpPr>
         <p:spPr bwMode="auto">
           <a:xfrm>
-            <a:off x="4145501" y="0"/>
-            <a:ext cx="3169699" cy="479403"/>
+            <a:off x="3972772" y="0"/>
+            <a:ext cx="3037628" cy="464184"/>
           </a:xfrm>
           <a:prstGeom prst="rect">
             <a:avLst/>
@@ -257,13 +273,13 @@
           <a:effectLst/>
         </p:spPr>
         <p:txBody>
-          <a:bodyPr vert="horz" wrap="square" lIns="96723" tIns="48362" rIns="96723" bIns="48362" numCol="1" anchor="t" anchorCtr="0" compatLnSpc="1">
+          <a:bodyPr vert="horz" wrap="square" lIns="93231" tIns="46616" rIns="93231" bIns="46616" numCol="1" anchor="t" anchorCtr="0" compatLnSpc="1">
             <a:prstTxWarp prst="textNoShape">
               <a:avLst/>
             </a:prstTxWarp>
           </a:bodyPr>
           <a:lstStyle>
-            <a:lvl1pPr algn="r" defTabSz="967194">
+            <a:lvl1pPr algn="r" defTabSz="932278">
               <a:spcBef>
                 <a:spcPct val="0"/>
               </a:spcBef>
@@ -290,8 +306,8 @@
         </p:nvSpPr>
         <p:spPr bwMode="auto">
           <a:xfrm>
-            <a:off x="1" y="9121797"/>
-            <a:ext cx="3169699" cy="479403"/>
+            <a:off x="2" y="8832217"/>
+            <a:ext cx="3037628" cy="464184"/>
           </a:xfrm>
           <a:prstGeom prst="rect">
             <a:avLst/>
@@ -306,13 +322,13 @@
           <a:effectLst/>
         </p:spPr>
         <p:txBody>
-          <a:bodyPr vert="horz" wrap="square" lIns="96723" tIns="48362" rIns="96723" bIns="48362" numCol="1" anchor="b" anchorCtr="0" compatLnSpc="1">
+          <a:bodyPr vert="horz" wrap="square" lIns="93231" tIns="46616" rIns="93231" bIns="46616" numCol="1" anchor="b" anchorCtr="0" compatLnSpc="1">
             <a:prstTxWarp prst="textNoShape">
               <a:avLst/>
             </a:prstTxWarp>
           </a:bodyPr>
           <a:lstStyle>
-            <a:lvl1pPr defTabSz="967194">
+            <a:lvl1pPr defTabSz="932278">
               <a:spcBef>
                 <a:spcPct val="0"/>
               </a:spcBef>
@@ -339,8 +355,8 @@
         </p:nvSpPr>
         <p:spPr bwMode="auto">
           <a:xfrm>
-            <a:off x="4145501" y="9121797"/>
-            <a:ext cx="3169699" cy="479403"/>
+            <a:off x="3972772" y="8832217"/>
+            <a:ext cx="3037628" cy="464184"/>
           </a:xfrm>
           <a:prstGeom prst="rect">
             <a:avLst/>
@@ -355,13 +371,13 @@
           <a:effectLst/>
         </p:spPr>
         <p:txBody>
-          <a:bodyPr vert="horz" wrap="square" lIns="96723" tIns="48362" rIns="96723" bIns="48362" numCol="1" anchor="b" anchorCtr="0" compatLnSpc="1">
+          <a:bodyPr vert="horz" wrap="square" lIns="93231" tIns="46616" rIns="93231" bIns="46616" numCol="1" anchor="b" anchorCtr="0" compatLnSpc="1">
             <a:prstTxWarp prst="textNoShape">
               <a:avLst/>
             </a:prstTxWarp>
           </a:bodyPr>
           <a:lstStyle>
-            <a:lvl1pPr algn="r" defTabSz="967194">
+            <a:lvl1pPr algn="r" defTabSz="932278">
               <a:spcBef>
                 <a:spcPct val="0"/>
               </a:spcBef>
@@ -431,8 +447,8 @@
         </p:nvSpPr>
         <p:spPr bwMode="auto">
           <a:xfrm>
-            <a:off x="1" y="0"/>
-            <a:ext cx="3169699" cy="479403"/>
+            <a:off x="2" y="0"/>
+            <a:ext cx="3037628" cy="464184"/>
           </a:xfrm>
           <a:prstGeom prst="rect">
             <a:avLst/>
@@ -447,13 +463,13 @@
           <a:effectLst/>
         </p:spPr>
         <p:txBody>
-          <a:bodyPr vert="horz" wrap="square" lIns="96723" tIns="48362" rIns="96723" bIns="48362" numCol="1" anchor="t" anchorCtr="0" compatLnSpc="1">
+          <a:bodyPr vert="horz" wrap="square" lIns="93231" tIns="46616" rIns="93231" bIns="46616" numCol="1" anchor="t" anchorCtr="0" compatLnSpc="1">
             <a:prstTxWarp prst="textNoShape">
               <a:avLst/>
             </a:prstTxWarp>
           </a:bodyPr>
           <a:lstStyle>
-            <a:lvl1pPr defTabSz="967194">
+            <a:lvl1pPr defTabSz="932278">
               <a:spcBef>
                 <a:spcPct val="0"/>
               </a:spcBef>
@@ -480,8 +496,8 @@
         </p:nvSpPr>
         <p:spPr bwMode="auto">
           <a:xfrm>
-            <a:off x="4145501" y="0"/>
-            <a:ext cx="3169699" cy="479403"/>
+            <a:off x="3972772" y="0"/>
+            <a:ext cx="3037628" cy="464184"/>
           </a:xfrm>
           <a:prstGeom prst="rect">
             <a:avLst/>
@@ -496,13 +512,13 @@
           <a:effectLst/>
         </p:spPr>
         <p:txBody>
-          <a:bodyPr vert="horz" wrap="square" lIns="96723" tIns="48362" rIns="96723" bIns="48362" numCol="1" anchor="t" anchorCtr="0" compatLnSpc="1">
+          <a:bodyPr vert="horz" wrap="square" lIns="93231" tIns="46616" rIns="93231" bIns="46616" numCol="1" anchor="t" anchorCtr="0" compatLnSpc="1">
             <a:prstTxWarp prst="textNoShape">
               <a:avLst/>
             </a:prstTxWarp>
           </a:bodyPr>
           <a:lstStyle>
-            <a:lvl1pPr algn="r" defTabSz="967194">
+            <a:lvl1pPr algn="r" defTabSz="932278">
               <a:spcBef>
                 <a:spcPct val="0"/>
               </a:spcBef>
@@ -529,8 +545,8 @@
         </p:nvSpPr>
         <p:spPr bwMode="auto">
           <a:xfrm>
-            <a:off x="1257300" y="720725"/>
-            <a:ext cx="4800600" cy="3600450"/>
+            <a:off x="1181100" y="698500"/>
+            <a:ext cx="4648200" cy="3486150"/>
           </a:xfrm>
           <a:prstGeom prst="rect">
             <a:avLst/>
@@ -558,8 +574,8 @@
         </p:nvSpPr>
         <p:spPr bwMode="auto">
           <a:xfrm>
-            <a:off x="975803" y="4560900"/>
-            <a:ext cx="5363595" cy="4319556"/>
+            <a:off x="935145" y="4416110"/>
+            <a:ext cx="5140112" cy="4182427"/>
           </a:xfrm>
           <a:prstGeom prst="rect">
             <a:avLst/>
@@ -574,7 +590,7 @@
           <a:effectLst/>
         </p:spPr>
         <p:txBody>
-          <a:bodyPr vert="horz" wrap="square" lIns="96723" tIns="48362" rIns="96723" bIns="48362" numCol="1" anchor="t" anchorCtr="0" compatLnSpc="1">
+          <a:bodyPr vert="horz" wrap="square" lIns="93231" tIns="46616" rIns="93231" bIns="46616" numCol="1" anchor="t" anchorCtr="0" compatLnSpc="1">
             <a:prstTxWarp prst="textNoShape">
               <a:avLst/>
             </a:prstTxWarp>
@@ -629,8 +645,8 @@
         </p:nvSpPr>
         <p:spPr bwMode="auto">
           <a:xfrm>
-            <a:off x="1" y="9121797"/>
-            <a:ext cx="3169699" cy="479403"/>
+            <a:off x="2" y="8832217"/>
+            <a:ext cx="3037628" cy="464184"/>
           </a:xfrm>
           <a:prstGeom prst="rect">
             <a:avLst/>
@@ -645,13 +661,13 @@
           <a:effectLst/>
         </p:spPr>
         <p:txBody>
-          <a:bodyPr vert="horz" wrap="square" lIns="96723" tIns="48362" rIns="96723" bIns="48362" numCol="1" anchor="b" anchorCtr="0" compatLnSpc="1">
+          <a:bodyPr vert="horz" wrap="square" lIns="93231" tIns="46616" rIns="93231" bIns="46616" numCol="1" anchor="b" anchorCtr="0" compatLnSpc="1">
             <a:prstTxWarp prst="textNoShape">
               <a:avLst/>
             </a:prstTxWarp>
           </a:bodyPr>
           <a:lstStyle>
-            <a:lvl1pPr defTabSz="967194">
+            <a:lvl1pPr defTabSz="932278">
               <a:spcBef>
                 <a:spcPct val="0"/>
               </a:spcBef>
@@ -678,8 +694,8 @@
         </p:nvSpPr>
         <p:spPr bwMode="auto">
           <a:xfrm>
-            <a:off x="4145501" y="9121797"/>
-            <a:ext cx="3169699" cy="479403"/>
+            <a:off x="3972772" y="8832217"/>
+            <a:ext cx="3037628" cy="464184"/>
           </a:xfrm>
           <a:prstGeom prst="rect">
             <a:avLst/>
@@ -694,13 +710,13 @@
           <a:effectLst/>
         </p:spPr>
         <p:txBody>
-          <a:bodyPr vert="horz" wrap="square" lIns="96723" tIns="48362" rIns="96723" bIns="48362" numCol="1" anchor="b" anchorCtr="0" compatLnSpc="1">
+          <a:bodyPr vert="horz" wrap="square" lIns="93231" tIns="46616" rIns="93231" bIns="46616" numCol="1" anchor="b" anchorCtr="0" compatLnSpc="1">
             <a:prstTxWarp prst="textNoShape">
               <a:avLst/>
             </a:prstTxWarp>
           </a:bodyPr>
           <a:lstStyle>
-            <a:lvl1pPr algn="r" defTabSz="967194">
+            <a:lvl1pPr algn="r" defTabSz="932278">
               <a:spcBef>
                 <a:spcPct val="0"/>
               </a:spcBef>
@@ -3794,12 +3810,14 @@
         </p:nvSpPr>
         <p:spPr>
           <a:xfrm>
-            <a:off x="348339" y="847679"/>
-            <a:ext cx="8083562" cy="5747330"/>
+            <a:off x="384563" y="1470457"/>
+            <a:ext cx="8083562" cy="4835749"/>
           </a:xfrm>
         </p:spPr>
         <p:txBody>
-          <a:bodyPr/>
+          <a:bodyPr>
+            <a:normAutofit fontScale="92500" lnSpcReduction="20000"/>
+          </a:bodyPr>
           <a:lstStyle/>
           <a:p>
             <a:pPr marL="0" indent="0">
@@ -3974,6 +3992,30 @@
             <a:pPr marL="0" indent="0">
               <a:buNone/>
             </a:pPr>
+            <a:endParaRPr lang="en-US" sz="1400" dirty="0">
+              <a:solidFill>
+                <a:srgbClr val="00B050"/>
+              </a:solidFill>
+              <a:latin typeface="Courier New" pitchFamily="49" charset="0"/>
+              <a:cs typeface="Courier New" pitchFamily="49" charset="0"/>
+            </a:endParaRPr>
+          </a:p>
+          <a:p>
+            <a:pPr marL="0" indent="0">
+              <a:buNone/>
+            </a:pPr>
+            <a:endParaRPr lang="en-US" sz="1400" b="1" dirty="0" smtClean="0">
+              <a:solidFill>
+                <a:srgbClr val="00B050"/>
+              </a:solidFill>
+              <a:latin typeface="Courier New" pitchFamily="49" charset="0"/>
+              <a:cs typeface="Courier New" pitchFamily="49" charset="0"/>
+            </a:endParaRPr>
+          </a:p>
+          <a:p>
+            <a:pPr marL="0" indent="0">
+              <a:buNone/>
+            </a:pPr>
             <a:r>
               <a:rPr lang="en-US" sz="1400" b="1" dirty="0" smtClean="0">
                 <a:latin typeface="Courier New" pitchFamily="49" charset="0"/>
@@ -3987,6 +4029,16 @@
               <a:buNone/>
             </a:pPr>
             <a:r>
+              <a:rPr lang="en-US" sz="1400" dirty="0" smtClean="0">
+                <a:solidFill>
+                  <a:schemeClr val="accent2"/>
+                </a:solidFill>
+                <a:latin typeface="Courier New" pitchFamily="49" charset="0"/>
+                <a:cs typeface="Courier New" pitchFamily="49" charset="0"/>
+              </a:rPr>
+              <a:t>i</a:t>
+            </a:r>
+            <a:r>
               <a:rPr lang="en-US" sz="1400" b="1" dirty="0" smtClean="0">
                 <a:solidFill>
                   <a:schemeClr val="accent2"/>
@@ -3994,7 +4046,7 @@
                 <a:latin typeface="Courier New" pitchFamily="49" charset="0"/>
                 <a:cs typeface="Courier New" pitchFamily="49" charset="0"/>
               </a:rPr>
-              <a:t>int x = 0x1234, y= 0x5678; </a:t>
+              <a:t>nt16_t x = 0x1234, y = 0x5678; </a:t>
             </a:r>
             <a:r>
               <a:rPr lang="en-US" sz="1400" b="1" dirty="0" smtClean="0">
@@ -4012,6 +4064,16 @@
               <a:buNone/>
             </a:pPr>
             <a:r>
+              <a:rPr lang="en-US" sz="1400" dirty="0">
+                <a:solidFill>
+                  <a:schemeClr val="accent2"/>
+                </a:solidFill>
+                <a:latin typeface="Courier New" pitchFamily="49" charset="0"/>
+                <a:cs typeface="Courier New" pitchFamily="49" charset="0"/>
+              </a:rPr>
+              <a:t>i</a:t>
+            </a:r>
+            <a:r>
               <a:rPr lang="en-US" sz="1400" b="1" dirty="0" smtClean="0">
                 <a:solidFill>
                   <a:schemeClr val="accent2"/>
@@ -4019,7 +4081,7 @@
                 <a:latin typeface="Courier New" pitchFamily="49" charset="0"/>
                 <a:cs typeface="Courier New" pitchFamily="49" charset="0"/>
               </a:rPr>
-              <a:t>int *</a:t>
+              <a:t>nt16_t *</a:t>
             </a:r>
             <a:r>
               <a:rPr lang="en-US" sz="1400" b="1" dirty="0" err="1" smtClean="0">
@@ -4039,7 +4101,37 @@
                 <a:latin typeface="Courier New" pitchFamily="49" charset="0"/>
                 <a:cs typeface="Courier New" pitchFamily="49" charset="0"/>
               </a:rPr>
-              <a:t>;</a:t>
+              <a:t>;  </a:t>
+            </a:r>
+            <a:r>
+              <a:rPr lang="en-US" sz="1400" b="1" dirty="0" smtClean="0">
+                <a:solidFill>
+                  <a:srgbClr val="00B050"/>
+                </a:solidFill>
+                <a:latin typeface="Courier New" pitchFamily="49" charset="0"/>
+                <a:cs typeface="Courier New" pitchFamily="49" charset="0"/>
+              </a:rPr>
+              <a:t>// </a:t>
+            </a:r>
+            <a:r>
+              <a:rPr lang="en-US" sz="1400" b="1" dirty="0" err="1" smtClean="0">
+                <a:solidFill>
+                  <a:srgbClr val="00B050"/>
+                </a:solidFill>
+                <a:latin typeface="Courier New" pitchFamily="49" charset="0"/>
+                <a:cs typeface="Courier New" pitchFamily="49" charset="0"/>
+              </a:rPr>
+              <a:t>gcc</a:t>
+            </a:r>
+            <a:r>
+              <a:rPr lang="en-US" sz="1400" b="1" dirty="0" smtClean="0">
+                <a:solidFill>
+                  <a:srgbClr val="00B050"/>
+                </a:solidFill>
+                <a:latin typeface="Courier New" pitchFamily="49" charset="0"/>
+                <a:cs typeface="Courier New" pitchFamily="49" charset="0"/>
+              </a:rPr>
+              <a:t> typically initializes to 0 (NULL)</a:t>
             </a:r>
           </a:p>
           <a:p>
@@ -4047,14 +4139,14 @@
               <a:buNone/>
             </a:pPr>
             <a:r>
-              <a:rPr lang="en-US" sz="1400" b="1" dirty="0" err="1" smtClean="0">
+              <a:rPr lang="en-US" sz="1400" dirty="0">
                 <a:solidFill>
                   <a:schemeClr val="accent2"/>
                 </a:solidFill>
                 <a:latin typeface="Courier New" pitchFamily="49" charset="0"/>
                 <a:cs typeface="Courier New" pitchFamily="49" charset="0"/>
               </a:rPr>
-              <a:t>int</a:t>
+              <a:t>i</a:t>
             </a:r>
             <a:r>
               <a:rPr lang="en-US" sz="1400" b="1" dirty="0" smtClean="0">
@@ -4064,7 +4156,7 @@
                 <a:latin typeface="Courier New" pitchFamily="49" charset="0"/>
                 <a:cs typeface="Courier New" pitchFamily="49" charset="0"/>
               </a:rPr>
-              <a:t> *</a:t>
+              <a:t>nt16_t *</a:t>
             </a:r>
             <a:r>
               <a:rPr lang="en-US" sz="1400" b="1" dirty="0" err="1" smtClean="0">
@@ -4283,72 +4375,42 @@
                 <a:latin typeface="Courier New" pitchFamily="49" charset="0"/>
                 <a:cs typeface="Courier New" pitchFamily="49" charset="0"/>
               </a:rPr>
-              <a:t> = </a:t>
+              <a:t> = 0x2019; </a:t>
             </a:r>
             <a:r>
               <a:rPr lang="en-US" sz="1400" b="1" dirty="0" smtClean="0">
                 <a:solidFill>
+                  <a:srgbClr val="00B050"/>
+                </a:solidFill>
+                <a:latin typeface="Courier New" pitchFamily="49" charset="0"/>
+                <a:cs typeface="Courier New" pitchFamily="49" charset="0"/>
+              </a:rPr>
+              <a:t>//what is x?</a:t>
+            </a:r>
+          </a:p>
+          <a:p>
+            <a:pPr marL="0" indent="0">
+              <a:buNone/>
+            </a:pPr>
+            <a:r>
+              <a:rPr lang="en-US" sz="1400" b="1" dirty="0" err="1" smtClean="0">
+                <a:solidFill>
                   <a:schemeClr val="accent2"/>
                 </a:solidFill>
                 <a:latin typeface="Courier New" pitchFamily="49" charset="0"/>
                 <a:cs typeface="Courier New" pitchFamily="49" charset="0"/>
               </a:rPr>
-              <a:t>0x2019; </a:t>
+              <a:t>xPtr</a:t>
             </a:r>
             <a:r>
               <a:rPr lang="en-US" sz="1400" b="1" dirty="0" smtClean="0">
                 <a:solidFill>
-                  <a:srgbClr val="00B050"/>
-                </a:solidFill>
-                <a:latin typeface="Courier New" pitchFamily="49" charset="0"/>
-                <a:cs typeface="Courier New" pitchFamily="49" charset="0"/>
-              </a:rPr>
-              <a:t>//what is x?</a:t>
-            </a:r>
-          </a:p>
-          <a:p>
-            <a:pPr marL="0" indent="0">
-              <a:buNone/>
-            </a:pPr>
-            <a:r>
-              <a:rPr lang="en-US" sz="1400" b="1" dirty="0" err="1" smtClean="0">
-                <a:solidFill>
                   <a:schemeClr val="accent2"/>
                 </a:solidFill>
                 <a:latin typeface="Courier New" pitchFamily="49" charset="0"/>
                 <a:cs typeface="Courier New" pitchFamily="49" charset="0"/>
               </a:rPr>
-              <a:t>xPtr</a:t>
-            </a:r>
-            <a:r>
-              <a:rPr lang="en-US" sz="1400" b="1" dirty="0" smtClean="0">
-                <a:solidFill>
-                  <a:schemeClr val="accent2"/>
-                </a:solidFill>
-                <a:latin typeface="Courier New" pitchFamily="49" charset="0"/>
-                <a:cs typeface="Courier New" pitchFamily="49" charset="0"/>
-              </a:rPr>
-              <a:t> = </a:t>
-            </a:r>
-            <a:r>
-              <a:rPr lang="en-US" sz="1400" b="1" dirty="0" smtClean="0">
-                <a:solidFill>
-                  <a:schemeClr val="accent2"/>
-                </a:solidFill>
-                <a:latin typeface="Courier New" pitchFamily="49" charset="0"/>
-                <a:cs typeface="Courier New" pitchFamily="49" charset="0"/>
-              </a:rPr>
-              <a:t>0x0206</a:t>
-            </a:r>
-            <a:r>
-              <a:rPr lang="en-US" sz="1400" b="1" dirty="0" smtClean="0">
-                <a:solidFill>
-                  <a:schemeClr val="accent2"/>
-                </a:solidFill>
-                <a:latin typeface="Courier New" pitchFamily="49" charset="0"/>
-                <a:cs typeface="Courier New" pitchFamily="49" charset="0"/>
-              </a:rPr>
-              <a:t>; </a:t>
+              <a:t> = 0x0206; </a:t>
             </a:r>
           </a:p>
           <a:p>
@@ -4417,27 +4479,23 @@
             <a:graphicFrameLocks noGrp="1"/>
           </p:cNvGraphicFramePr>
           <p:nvPr>
-            <p:extLst>
-              <p:ext uri="{D42A27DB-BD31-4B8C-83A1-F6EECF244321}">
-                <p14:modId xmlns:p14="http://schemas.microsoft.com/office/powerpoint/2010/main" val="3330518521"/>
-              </p:ext>
-            </p:extLst>
+            <p:extLst/>
           </p:nvPr>
         </p:nvGraphicFramePr>
         <p:xfrm>
-          <a:off x="540144" y="1702640"/>
-          <a:ext cx="7772400" cy="1985142"/>
+          <a:off x="157655" y="2107523"/>
+          <a:ext cx="6660930" cy="1762321"/>
         </p:xfrm>
         <a:graphic>
           <a:graphicData uri="http://schemas.openxmlformats.org/drawingml/2006/table">
             <a:tbl>
               <a:tblPr/>
               <a:tblGrid>
-                <a:gridCol w="633202"/>
-                <a:gridCol w="1650775"/>
-                <a:gridCol w="5488423"/>
+                <a:gridCol w="542652"/>
+                <a:gridCol w="1414711"/>
+                <a:gridCol w="4703567"/>
               </a:tblGrid>
-              <a:tr h="290503">
+              <a:tr h="257256">
                 <a:tc>
                   <a:txBody>
                     <a:bodyPr/>
@@ -4445,7 +4503,10 @@
                     <a:p>
                       <a:pPr algn="ctr" fontAlgn="b"/>
                       <a:r>
-                        <a:rPr lang="en-US" sz="1300" b="1" dirty="0">
+                        <a:rPr lang="en-US" sz="1100" b="1" dirty="0">
+                          <a:solidFill>
+                            <a:schemeClr val="bg1"/>
+                          </a:solidFill>
                           <a:effectLst/>
                         </a:rPr>
                         <a:t>Token</a:t>
@@ -4490,7 +4551,9 @@
                       <a:tailEnd type="none" w="med" len="med"/>
                     </a:lnB>
                     <a:solidFill>
-                      <a:srgbClr val="FFFFFF"/>
+                      <a:schemeClr val="bg1">
+                        <a:lumMod val="75000"/>
+                      </a:schemeClr>
                     </a:solidFill>
                   </a:tcPr>
                 </a:tc>
@@ -4501,7 +4564,10 @@
                     <a:p>
                       <a:pPr algn="ctr" fontAlgn="b"/>
                       <a:r>
-                        <a:rPr lang="en-US" sz="1300" b="1">
+                        <a:rPr lang="en-US" sz="1100" b="1" dirty="0">
+                          <a:solidFill>
+                            <a:schemeClr val="bg1"/>
+                          </a:solidFill>
                           <a:effectLst/>
                         </a:rPr>
                         <a:t>Context</a:t>
@@ -4546,7 +4612,9 @@
                       <a:tailEnd type="none" w="med" len="med"/>
                     </a:lnB>
                     <a:solidFill>
-                      <a:srgbClr val="FFFFFF"/>
+                      <a:schemeClr val="bg1">
+                        <a:lumMod val="75000"/>
+                      </a:schemeClr>
                     </a:solidFill>
                   </a:tcPr>
                 </a:tc>
@@ -4557,7 +4625,10 @@
                     <a:p>
                       <a:pPr algn="ctr" fontAlgn="b"/>
                       <a:r>
-                        <a:rPr lang="en-US" sz="1300" b="1" dirty="0">
+                        <a:rPr lang="en-US" sz="1100" b="1" dirty="0">
+                          <a:solidFill>
+                            <a:schemeClr val="bg1"/>
+                          </a:solidFill>
                           <a:effectLst/>
                         </a:rPr>
                         <a:t>Description</a:t>
@@ -4602,12 +4673,14 @@
                       <a:tailEnd type="none" w="med" len="med"/>
                     </a:lnB>
                     <a:solidFill>
-                      <a:srgbClr val="FFFFFF"/>
+                      <a:schemeClr val="bg1">
+                        <a:lumMod val="75000"/>
+                      </a:schemeClr>
                     </a:solidFill>
                   </a:tcPr>
                 </a:tc>
               </a:tr>
-              <a:tr h="324830">
+              <a:tr h="287655">
                 <a:tc>
                   <a:txBody>
                     <a:bodyPr/>
@@ -4615,7 +4688,7 @@
                     <a:p>
                       <a:pPr algn="ctr" fontAlgn="t"/>
                       <a:r>
-                        <a:rPr lang="en-US" sz="1300">
+                        <a:rPr lang="en-US" sz="1100" dirty="0">
                           <a:effectLst/>
                         </a:rPr>
                         <a:t>&amp;</a:t>
@@ -4671,7 +4744,7 @@
                     <a:p>
                       <a:pPr algn="l" fontAlgn="t"/>
                       <a:r>
-                        <a:rPr lang="en-US" sz="1300">
+                        <a:rPr lang="en-US" sz="1100" dirty="0">
                           <a:effectLst/>
                         </a:rPr>
                         <a:t>Assignment statement</a:t>
@@ -4727,7 +4800,7 @@
                     <a:p>
                       <a:pPr algn="l" fontAlgn="t"/>
                       <a:r>
-                        <a:rPr lang="en-US" sz="1300" dirty="0">
+                        <a:rPr lang="en-US" sz="1100" dirty="0">
                           <a:effectLst/>
                         </a:rPr>
                         <a:t>Returns the address of the variable after this token</a:t>
@@ -4777,7 +4850,7 @@
                   </a:tcPr>
                 </a:tc>
               </a:tr>
-              <a:tr h="324830">
+              <a:tr h="287655">
                 <a:tc>
                   <a:txBody>
                     <a:bodyPr/>
@@ -4785,7 +4858,7 @@
                     <a:p>
                       <a:pPr algn="ctr" fontAlgn="t"/>
                       <a:r>
-                        <a:rPr lang="en-US" sz="1300" dirty="0">
+                        <a:rPr lang="en-US" sz="1100" dirty="0">
                           <a:effectLst/>
                         </a:rPr>
                         <a:t>*</a:t>
@@ -4841,7 +4914,7 @@
                     <a:p>
                       <a:pPr algn="l" fontAlgn="t"/>
                       <a:r>
-                        <a:rPr lang="en-US" sz="1300">
+                        <a:rPr lang="en-US" sz="1100" dirty="0">
                           <a:effectLst/>
                         </a:rPr>
                         <a:t>Variable declaration</a:t>
@@ -4897,11 +4970,20 @@
                     <a:p>
                       <a:pPr algn="l" fontAlgn="t"/>
                       <a:r>
-                        <a:rPr lang="en-US" sz="1300">
+                        <a:rPr lang="en-US" sz="1100" dirty="0">
                           <a:effectLst/>
                         </a:rPr>
-                        <a:t>Variable contains the address pointing to a variable of type var_type</a:t>
+                        <a:t>Variable contains the address pointing to a variable of type </a:t>
                       </a:r>
+                      <a:r>
+                        <a:rPr lang="en-US" sz="1100" dirty="0" err="1">
+                          <a:effectLst/>
+                        </a:rPr>
+                        <a:t>var_type</a:t>
+                      </a:r>
+                      <a:endParaRPr lang="en-US" sz="1100" dirty="0">
+                        <a:effectLst/>
+                      </a:endParaRPr>
                     </a:p>
                   </a:txBody>
                   <a:tcPr marL="53190" marR="53190" marT="53190" marB="53190">
@@ -4947,7 +5029,7 @@
                   </a:tcPr>
                 </a:tc>
               </a:tr>
-              <a:tr h="451937">
+              <a:tr h="400215">
                 <a:tc>
                   <a:txBody>
                     <a:bodyPr/>
@@ -4955,7 +5037,7 @@
                     <a:p>
                       <a:pPr algn="ctr" fontAlgn="t"/>
                       <a:r>
-                        <a:rPr lang="en-US" sz="1300">
+                        <a:rPr lang="en-US" sz="1100">
                           <a:effectLst/>
                         </a:rPr>
                         <a:t>*</a:t>
@@ -5011,7 +5093,7 @@
                     <a:p>
                       <a:pPr algn="l" fontAlgn="t"/>
                       <a:r>
-                        <a:rPr lang="en-US" sz="1300">
+                        <a:rPr lang="en-US" sz="1100">
                           <a:effectLst/>
                         </a:rPr>
                         <a:t>Assignment statement</a:t>
@@ -5067,7 +5149,7 @@
                     <a:p>
                       <a:pPr algn="l" fontAlgn="t"/>
                       <a:r>
-                        <a:rPr lang="en-US" sz="1300">
+                        <a:rPr lang="en-US" sz="1100" dirty="0">
                           <a:effectLst/>
                         </a:rPr>
                         <a:t>Allows you to access the contents of the variable at which the pointer is pointing</a:t>
@@ -5117,7 +5199,7 @@
                   </a:tcPr>
                 </a:tc>
               </a:tr>
-              <a:tr h="579045">
+              <a:tr h="512776">
                 <a:tc>
                   <a:txBody>
                     <a:bodyPr/>
@@ -5125,7 +5207,7 @@
                     <a:p>
                       <a:pPr algn="ctr" fontAlgn="t"/>
                       <a:r>
-                        <a:rPr lang="en-US" sz="1300" dirty="0">
+                        <a:rPr lang="en-US" sz="1100" dirty="0">
                           <a:effectLst/>
                         </a:rPr>
                         <a:t>-&gt;</a:t>
@@ -5181,7 +5263,7 @@
                     <a:p>
                       <a:pPr algn="l" fontAlgn="t"/>
                       <a:r>
-                        <a:rPr lang="en-US" sz="1300" dirty="0">
+                        <a:rPr lang="en-US" sz="1100" dirty="0">
                           <a:effectLst/>
                         </a:rPr>
                         <a:t>Structure</a:t>
@@ -5237,7 +5319,7 @@
                     <a:p>
                       <a:pPr algn="l" fontAlgn="t"/>
                       <a:r>
-                        <a:rPr lang="en-US" sz="1300" dirty="0">
+                        <a:rPr lang="en-US" sz="1100" dirty="0">
                           <a:effectLst/>
                         </a:rPr>
                         <a:t>Access a structure's elements through a structure pointer (instead of the "." notation). Also can use (*structure).element.</a:t>
@@ -5298,16 +5380,12 @@
             <a:graphicFrameLocks noGrp="1"/>
           </p:cNvGraphicFramePr>
           <p:nvPr>
-            <p:extLst>
-              <p:ext uri="{D42A27DB-BD31-4B8C-83A1-F6EECF244321}">
-                <p14:modId xmlns:p14="http://schemas.microsoft.com/office/powerpoint/2010/main" val="3020299373"/>
-              </p:ext>
-            </p:extLst>
+            <p:extLst/>
           </p:nvPr>
         </p:nvGraphicFramePr>
         <p:xfrm>
-          <a:off x="6894414" y="4941312"/>
-          <a:ext cx="2032000" cy="1854200"/>
+          <a:off x="6922788" y="2968646"/>
+          <a:ext cx="2032000" cy="3337560"/>
         </p:xfrm>
         <a:graphic>
           <a:graphicData uri="http://schemas.openxmlformats.org/drawingml/2006/table">
@@ -5463,65 +5541,6 @@
                   <a:tcPr/>
                 </a:tc>
               </a:tr>
-            </a:tbl>
-          </a:graphicData>
-        </a:graphic>
-      </p:graphicFrame>
-      <p:graphicFrame>
-        <p:nvGraphicFramePr>
-          <p:cNvPr id="7" name="Table 6"/>
-          <p:cNvGraphicFramePr>
-            <a:graphicFrameLocks noGrp="1"/>
-          </p:cNvGraphicFramePr>
-          <p:nvPr>
-            <p:extLst>
-              <p:ext uri="{D42A27DB-BD31-4B8C-83A1-F6EECF244321}">
-                <p14:modId xmlns:p14="http://schemas.microsoft.com/office/powerpoint/2010/main" val="186399351"/>
-              </p:ext>
-            </p:extLst>
-          </p:nvPr>
-        </p:nvGraphicFramePr>
-        <p:xfrm>
-          <a:off x="6368430" y="3638494"/>
-          <a:ext cx="2694649" cy="1112520"/>
-        </p:xfrm>
-        <a:graphic>
-          <a:graphicData uri="http://schemas.openxmlformats.org/drawingml/2006/table">
-            <a:tbl>
-              <a:tblPr firstRow="1" bandRow="1">
-                <a:tableStyleId>{21E4AEA4-8DFA-4A89-87EB-49C32662AFE0}</a:tableStyleId>
-              </a:tblPr>
-              <a:tblGrid>
-                <a:gridCol w="1003414"/>
-                <a:gridCol w="1691235"/>
-              </a:tblGrid>
-              <a:tr h="370840">
-                <a:tc>
-                  <a:txBody>
-                    <a:bodyPr/>
-                    <a:lstStyle/>
-                    <a:p>
-                      <a:pPr algn="ctr"/>
-                      <a:r>
-                        <a:rPr lang="en-US" dirty="0" err="1" smtClean="0"/>
-                        <a:t>xPtr</a:t>
-                      </a:r>
-                      <a:endParaRPr lang="en-US" dirty="0"/>
-                    </a:p>
-                  </a:txBody>
-                  <a:tcPr/>
-                </a:tc>
-                <a:tc>
-                  <a:txBody>
-                    <a:bodyPr/>
-                    <a:lstStyle/>
-                    <a:p>
-                      <a:endParaRPr lang="en-US"/>
-                    </a:p>
-                  </a:txBody>
-                  <a:tcPr/>
-                </a:tc>
-              </a:tr>
               <a:tr h="370840">
                 <a:tc>
                   <a:txBody>
@@ -5531,7 +5550,7 @@
                       <a:pPr algn="ctr"/>
                       <a:r>
                         <a:rPr lang="en-US" dirty="0" smtClean="0"/>
-                        <a:t>x</a:t>
+                        <a:t>0x204</a:t>
                       </a:r>
                       <a:endParaRPr lang="en-US" dirty="0"/>
                     </a:p>
@@ -5543,7 +5562,8 @@
                     <a:bodyPr/>
                     <a:lstStyle/>
                     <a:p>
-                      <a:endParaRPr lang="en-US"/>
+                      <a:pPr algn="ctr"/>
+                      <a:endParaRPr lang="en-US" dirty="0"/>
                     </a:p>
                   </a:txBody>
                   <a:tcPr/>
@@ -5558,7 +5578,7 @@
                       <a:pPr algn="ctr"/>
                       <a:r>
                         <a:rPr lang="en-US" dirty="0" smtClean="0"/>
-                        <a:t>y</a:t>
+                        <a:t>0x205</a:t>
                       </a:r>
                       <a:endParaRPr lang="en-US" dirty="0"/>
                     </a:p>
@@ -5570,6 +5590,63 @@
                     <a:bodyPr/>
                     <a:lstStyle/>
                     <a:p>
+                      <a:pPr algn="ctr"/>
+                      <a:endParaRPr lang="en-US" dirty="0"/>
+                    </a:p>
+                  </a:txBody>
+                  <a:tcPr/>
+                </a:tc>
+              </a:tr>
+              <a:tr h="370840">
+                <a:tc>
+                  <a:txBody>
+                    <a:bodyPr/>
+                    <a:lstStyle/>
+                    <a:p>
+                      <a:pPr algn="ctr"/>
+                      <a:r>
+                        <a:rPr lang="en-US" dirty="0" smtClean="0"/>
+                        <a:t>0x206</a:t>
+                      </a:r>
+                      <a:endParaRPr lang="en-US" dirty="0"/>
+                    </a:p>
+                  </a:txBody>
+                  <a:tcPr/>
+                </a:tc>
+                <a:tc>
+                  <a:txBody>
+                    <a:bodyPr/>
+                    <a:lstStyle/>
+                    <a:p>
+                      <a:pPr algn="ctr"/>
+                      <a:endParaRPr lang="en-US" dirty="0"/>
+                    </a:p>
+                  </a:txBody>
+                  <a:tcPr/>
+                </a:tc>
+              </a:tr>
+              <a:tr h="370840">
+                <a:tc>
+                  <a:txBody>
+                    <a:bodyPr/>
+                    <a:lstStyle/>
+                    <a:p>
+                      <a:pPr algn="ctr"/>
+                      <a:r>
+                        <a:rPr lang="en-US" dirty="0" smtClean="0"/>
+                        <a:t>0x207</a:t>
+                      </a:r>
+                      <a:endParaRPr lang="en-US" dirty="0"/>
+                    </a:p>
+                  </a:txBody>
+                  <a:tcPr/>
+                </a:tc>
+                <a:tc>
+                  <a:txBody>
+                    <a:bodyPr/>
+                    <a:lstStyle/>
+                    <a:p>
+                      <a:pPr algn="ctr"/>
                       <a:endParaRPr lang="en-US" dirty="0"/>
                     </a:p>
                   </a:txBody>
@@ -5583,7 +5660,7 @@
     </p:spTree>
     <p:extLst>
       <p:ext uri="{BB962C8B-B14F-4D97-AF65-F5344CB8AC3E}">
-        <p14:creationId xmlns:p14="http://schemas.microsoft.com/office/powerpoint/2010/main" val="261143790"/>
+        <p14:creationId xmlns:p14="http://schemas.microsoft.com/office/powerpoint/2010/main" val="3386431704"/>
       </p:ext>
     </p:extLst>
   </p:cSld>
@@ -5652,8 +5729,8 @@
         </p:nvSpPr>
         <p:spPr>
           <a:xfrm>
-            <a:off x="332155" y="782942"/>
-            <a:ext cx="8633820" cy="5747330"/>
+            <a:off x="418865" y="1500273"/>
+            <a:ext cx="8633820" cy="4752730"/>
           </a:xfrm>
         </p:spPr>
         <p:txBody>
@@ -5683,17 +5760,47 @@
                 <a:latin typeface="Courier New" pitchFamily="49" charset="0"/>
                 <a:cs typeface="Courier New" pitchFamily="49" charset="0"/>
               </a:rPr>
-              <a:t>unsigned char x = 0x25;                 </a:t>
+              <a:t>u</a:t>
+            </a:r>
+            <a:r>
+              <a:rPr lang="en-US" sz="1400" b="1" dirty="0" smtClean="0">
+                <a:solidFill>
+                  <a:schemeClr val="accent2"/>
+                </a:solidFill>
+                <a:latin typeface="Courier New" pitchFamily="49" charset="0"/>
+                <a:cs typeface="Courier New" pitchFamily="49" charset="0"/>
+              </a:rPr>
+              <a:t>int8_t x </a:t>
             </a:r>
             <a:r>
               <a:rPr lang="en-US" sz="1400" b="1" dirty="0">
                 <a:solidFill>
+                  <a:schemeClr val="accent2"/>
+                </a:solidFill>
+                <a:latin typeface="Courier New" pitchFamily="49" charset="0"/>
+                <a:cs typeface="Courier New" pitchFamily="49" charset="0"/>
+              </a:rPr>
+              <a:t>= 0x25;      </a:t>
+            </a:r>
+            <a:r>
+              <a:rPr lang="en-US" sz="1400" b="1" dirty="0" smtClean="0">
+                <a:solidFill>
                   <a:srgbClr val="00B050"/>
                 </a:solidFill>
                 <a:latin typeface="Courier New" pitchFamily="49" charset="0"/>
                 <a:cs typeface="Courier New" pitchFamily="49" charset="0"/>
               </a:rPr>
-              <a:t>// address of x is 0x1000</a:t>
+              <a:t>// </a:t>
+            </a:r>
+            <a:r>
+              <a:rPr lang="en-US" sz="1400" b="1" dirty="0">
+                <a:solidFill>
+                  <a:srgbClr val="00B050"/>
+                </a:solidFill>
+                <a:latin typeface="Courier New" pitchFamily="49" charset="0"/>
+                <a:cs typeface="Courier New" pitchFamily="49" charset="0"/>
+              </a:rPr>
+              <a:t>address of x is 0x1000</a:t>
             </a:r>
           </a:p>
           <a:p>
@@ -5708,17 +5815,47 @@
                 <a:latin typeface="Courier New" pitchFamily="49" charset="0"/>
                 <a:cs typeface="Courier New" pitchFamily="49" charset="0"/>
               </a:rPr>
-              <a:t>unsigned int y = 0x1234;                </a:t>
+              <a:t>u</a:t>
+            </a:r>
+            <a:r>
+              <a:rPr lang="en-US" sz="1400" b="1" dirty="0" smtClean="0">
+                <a:solidFill>
+                  <a:schemeClr val="accent2"/>
+                </a:solidFill>
+                <a:latin typeface="Courier New" pitchFamily="49" charset="0"/>
+                <a:cs typeface="Courier New" pitchFamily="49" charset="0"/>
+              </a:rPr>
+              <a:t>int16_t y </a:t>
             </a:r>
             <a:r>
               <a:rPr lang="en-US" sz="1400" b="1" dirty="0">
                 <a:solidFill>
+                  <a:schemeClr val="accent2"/>
+                </a:solidFill>
+                <a:latin typeface="Courier New" pitchFamily="49" charset="0"/>
+                <a:cs typeface="Courier New" pitchFamily="49" charset="0"/>
+              </a:rPr>
+              <a:t>= 0x1234;   </a:t>
+            </a:r>
+            <a:r>
+              <a:rPr lang="en-US" sz="1400" b="1" dirty="0" smtClean="0">
+                <a:solidFill>
                   <a:srgbClr val="00B050"/>
                 </a:solidFill>
                 <a:latin typeface="Courier New" pitchFamily="49" charset="0"/>
                 <a:cs typeface="Courier New" pitchFamily="49" charset="0"/>
               </a:rPr>
-              <a:t>// address of y is 0x1001 - 0x1002</a:t>
+              <a:t>// </a:t>
+            </a:r>
+            <a:r>
+              <a:rPr lang="en-US" sz="1400" b="1" dirty="0">
+                <a:solidFill>
+                  <a:srgbClr val="00B050"/>
+                </a:solidFill>
+                <a:latin typeface="Courier New" pitchFamily="49" charset="0"/>
+                <a:cs typeface="Courier New" pitchFamily="49" charset="0"/>
+              </a:rPr>
+              <a:t>address of y is 0x1001 - 0x1002</a:t>
             </a:r>
           </a:p>
           <a:p>
@@ -5726,6 +5863,46 @@
               <a:buNone/>
             </a:pPr>
             <a:r>
+              <a:rPr lang="en-US" sz="1400" b="1" dirty="0" smtClean="0">
+                <a:solidFill>
+                  <a:schemeClr val="accent2"/>
+                </a:solidFill>
+                <a:latin typeface="Courier New" pitchFamily="49" charset="0"/>
+                <a:cs typeface="Courier New" pitchFamily="49" charset="0"/>
+              </a:rPr>
+              <a:t>uint8_t</a:t>
+            </a:r>
+            <a:r>
+              <a:rPr lang="en-US" sz="1400" dirty="0" smtClean="0">
+                <a:solidFill>
+                  <a:schemeClr val="accent2"/>
+                </a:solidFill>
+                <a:latin typeface="Courier New" pitchFamily="49" charset="0"/>
+                <a:cs typeface="Courier New" pitchFamily="49" charset="0"/>
+              </a:rPr>
+              <a:t>* </a:t>
+            </a:r>
+            <a:r>
+              <a:rPr lang="en-US" sz="1400" b="1" dirty="0" err="1" smtClean="0">
+                <a:solidFill>
+                  <a:schemeClr val="accent2"/>
+                </a:solidFill>
+                <a:latin typeface="Courier New" pitchFamily="49" charset="0"/>
+                <a:cs typeface="Courier New" pitchFamily="49" charset="0"/>
+              </a:rPr>
+              <a:t>xPtr</a:t>
+            </a:r>
+            <a:r>
+              <a:rPr lang="en-US" sz="1400" b="1" dirty="0" smtClean="0">
+                <a:solidFill>
+                  <a:schemeClr val="accent2"/>
+                </a:solidFill>
+                <a:latin typeface="Courier New" pitchFamily="49" charset="0"/>
+                <a:cs typeface="Courier New" pitchFamily="49" charset="0"/>
+              </a:rPr>
+              <a:t> </a:t>
+            </a:r>
+            <a:r>
               <a:rPr lang="en-US" sz="1400" b="1" dirty="0">
                 <a:solidFill>
                   <a:schemeClr val="accent2"/>
@@ -5733,102 +5910,122 @@
                 <a:latin typeface="Courier New" pitchFamily="49" charset="0"/>
                 <a:cs typeface="Courier New" pitchFamily="49" charset="0"/>
               </a:rPr>
-              <a:t>unsigned char* </a:t>
+              <a:t>= &amp;x;   </a:t>
+            </a:r>
+            <a:r>
+              <a:rPr lang="en-US" sz="1400" b="1" dirty="0" smtClean="0">
+                <a:solidFill>
+                  <a:srgbClr val="00B050"/>
+                </a:solidFill>
+                <a:latin typeface="Courier New" pitchFamily="49" charset="0"/>
+                <a:cs typeface="Courier New" pitchFamily="49" charset="0"/>
+              </a:rPr>
+              <a:t>// </a:t>
+            </a:r>
+            <a:r>
+              <a:rPr lang="en-US" sz="1400" b="1" dirty="0">
+                <a:solidFill>
+                  <a:srgbClr val="00B050"/>
+                </a:solidFill>
+                <a:latin typeface="Courier New" pitchFamily="49" charset="0"/>
+                <a:cs typeface="Courier New" pitchFamily="49" charset="0"/>
+              </a:rPr>
+              <a:t>address of </a:t>
             </a:r>
             <a:r>
               <a:rPr lang="en-US" sz="1400" b="1" dirty="0" err="1">
                 <a:solidFill>
+                  <a:srgbClr val="00B050"/>
+                </a:solidFill>
+                <a:latin typeface="Courier New" pitchFamily="49" charset="0"/>
+                <a:cs typeface="Courier New" pitchFamily="49" charset="0"/>
+              </a:rPr>
+              <a:t>xPtr</a:t>
+            </a:r>
+            <a:r>
+              <a:rPr lang="en-US" sz="1400" b="1" dirty="0">
+                <a:solidFill>
+                  <a:srgbClr val="00B050"/>
+                </a:solidFill>
+                <a:latin typeface="Courier New" pitchFamily="49" charset="0"/>
+                <a:cs typeface="Courier New" pitchFamily="49" charset="0"/>
+              </a:rPr>
+              <a:t> is 0x1003 - 0x1004</a:t>
+            </a:r>
+          </a:p>
+          <a:p>
+            <a:pPr marL="0" indent="0">
+              <a:buNone/>
+            </a:pPr>
+            <a:r>
+              <a:rPr lang="en-US" sz="1400" b="1" dirty="0" smtClean="0">
+                <a:solidFill>
                   <a:schemeClr val="accent2"/>
                 </a:solidFill>
                 <a:latin typeface="Courier New" pitchFamily="49" charset="0"/>
                 <a:cs typeface="Courier New" pitchFamily="49" charset="0"/>
               </a:rPr>
-              <a:t>xPtr</a:t>
-            </a:r>
-            <a:r>
-              <a:rPr lang="en-US" sz="1400" b="1" dirty="0">
+              <a:t>uint8_t</a:t>
+            </a:r>
+            <a:r>
+              <a:rPr lang="en-US" sz="1400" dirty="0" smtClean="0">
                 <a:solidFill>
                   <a:schemeClr val="accent2"/>
                 </a:solidFill>
                 <a:latin typeface="Courier New" pitchFamily="49" charset="0"/>
                 <a:cs typeface="Courier New" pitchFamily="49" charset="0"/>
               </a:rPr>
-              <a:t> = &amp;x;               </a:t>
-            </a:r>
-            <a:r>
-              <a:rPr lang="en-US" sz="1400" b="1" dirty="0">
+              <a:t>* </a:t>
+            </a:r>
+            <a:r>
+              <a:rPr lang="en-US" sz="1400" b="1" dirty="0" err="1" smtClean="0">
+                <a:solidFill>
+                  <a:schemeClr val="accent2"/>
+                </a:solidFill>
+                <a:latin typeface="Courier New" pitchFamily="49" charset="0"/>
+                <a:cs typeface="Courier New" pitchFamily="49" charset="0"/>
+              </a:rPr>
+              <a:t>yPtr</a:t>
+            </a:r>
+            <a:r>
+              <a:rPr lang="en-US" sz="1400" b="1" dirty="0" smtClean="0">
+                <a:solidFill>
+                  <a:schemeClr val="accent2"/>
+                </a:solidFill>
+                <a:latin typeface="Courier New" pitchFamily="49" charset="0"/>
+                <a:cs typeface="Courier New" pitchFamily="49" charset="0"/>
+              </a:rPr>
+              <a:t> </a:t>
+            </a:r>
+            <a:r>
+              <a:rPr lang="en-US" sz="1400" b="1" dirty="0" smtClean="0">
+                <a:solidFill>
+                  <a:schemeClr val="accent2"/>
+                </a:solidFill>
+                <a:latin typeface="Courier New" pitchFamily="49" charset="0"/>
+                <a:cs typeface="Courier New" pitchFamily="49" charset="0"/>
+              </a:rPr>
+              <a:t>= &amp;y;   </a:t>
+            </a:r>
+            <a:r>
+              <a:rPr lang="en-US" sz="1400" b="1" dirty="0" smtClean="0">
                 <a:solidFill>
                   <a:srgbClr val="00B050"/>
                 </a:solidFill>
                 <a:latin typeface="Courier New" pitchFamily="49" charset="0"/>
                 <a:cs typeface="Courier New" pitchFamily="49" charset="0"/>
               </a:rPr>
-              <a:t>// address of </a:t>
-            </a:r>
-            <a:r>
-              <a:rPr lang="en-US" sz="1400" b="1" dirty="0" err="1">
+              <a:t>// </a:t>
+            </a:r>
+            <a:r>
+              <a:rPr lang="en-US" sz="1400" b="1" dirty="0" smtClean="0">
                 <a:solidFill>
                   <a:srgbClr val="00B050"/>
                 </a:solidFill>
                 <a:latin typeface="Courier New" pitchFamily="49" charset="0"/>
                 <a:cs typeface="Courier New" pitchFamily="49" charset="0"/>
               </a:rPr>
-              <a:t>xPtr</a:t>
-            </a:r>
-            <a:r>
-              <a:rPr lang="en-US" sz="1400" b="1" dirty="0">
-                <a:solidFill>
-                  <a:srgbClr val="00B050"/>
-                </a:solidFill>
-                <a:latin typeface="Courier New" pitchFamily="49" charset="0"/>
-                <a:cs typeface="Courier New" pitchFamily="49" charset="0"/>
-              </a:rPr>
-              <a:t> is 0x1003 - 0x1004</a:t>
-            </a:r>
-          </a:p>
-          <a:p>
-            <a:pPr marL="0" indent="0">
-              <a:buNone/>
-            </a:pPr>
-            <a:r>
-              <a:rPr lang="en-US" sz="1400" b="1" dirty="0" smtClean="0">
-                <a:solidFill>
-                  <a:schemeClr val="accent2"/>
-                </a:solidFill>
-                <a:latin typeface="Courier New" pitchFamily="49" charset="0"/>
-                <a:cs typeface="Courier New" pitchFamily="49" charset="0"/>
-              </a:rPr>
-              <a:t>unsigned char* </a:t>
-            </a:r>
-            <a:r>
-              <a:rPr lang="en-US" sz="1400" b="1" dirty="0" err="1" smtClean="0">
-                <a:solidFill>
-                  <a:schemeClr val="accent2"/>
-                </a:solidFill>
-                <a:latin typeface="Courier New" pitchFamily="49" charset="0"/>
-                <a:cs typeface="Courier New" pitchFamily="49" charset="0"/>
-              </a:rPr>
-              <a:t>yPtr</a:t>
-            </a:r>
-            <a:r>
-              <a:rPr lang="en-US" sz="1400" b="1" dirty="0" smtClean="0">
-                <a:solidFill>
-                  <a:schemeClr val="accent2"/>
-                </a:solidFill>
-                <a:latin typeface="Courier New" pitchFamily="49" charset="0"/>
-                <a:cs typeface="Courier New" pitchFamily="49" charset="0"/>
-              </a:rPr>
-              <a:t> = &amp;y;               </a:t>
-            </a:r>
-            <a:r>
-              <a:rPr lang="en-US" sz="1400" b="1" dirty="0" smtClean="0">
-                <a:solidFill>
-                  <a:srgbClr val="00B050"/>
-                </a:solidFill>
-                <a:latin typeface="Courier New" pitchFamily="49" charset="0"/>
-                <a:cs typeface="Courier New" pitchFamily="49" charset="0"/>
-              </a:rPr>
-              <a:t>// address of </a:t>
+              <a:t>address of </a:t>
             </a:r>
             <a:r>
               <a:rPr lang="en-US" sz="1400" b="1" dirty="0" err="1" smtClean="0">
@@ -6109,18 +6306,6 @@
             <a:pPr marL="0" indent="0">
               <a:buNone/>
             </a:pPr>
-            <a:endParaRPr lang="en-US" sz="1400" b="1" dirty="0" smtClean="0">
-              <a:solidFill>
-                <a:srgbClr val="00B050"/>
-              </a:solidFill>
-              <a:latin typeface="Courier New" pitchFamily="49" charset="0"/>
-              <a:cs typeface="Courier New" pitchFamily="49" charset="0"/>
-            </a:endParaRPr>
-          </a:p>
-          <a:p>
-            <a:pPr marL="0" indent="0">
-              <a:buNone/>
-            </a:pPr>
             <a:r>
               <a:rPr lang="en-US" sz="1400" b="1" dirty="0" smtClean="0">
                 <a:solidFill>
@@ -6129,17 +6314,7 @@
                 <a:latin typeface="Courier New" pitchFamily="49" charset="0"/>
                 <a:cs typeface="Courier New" pitchFamily="49" charset="0"/>
               </a:rPr>
-              <a:t>// </a:t>
-            </a:r>
-            <a:r>
-              <a:rPr lang="en-US" sz="1400" b="1" dirty="0" smtClean="0">
-                <a:solidFill>
-                  <a:srgbClr val="00B050"/>
-                </a:solidFill>
-                <a:latin typeface="Courier New" pitchFamily="49" charset="0"/>
-                <a:cs typeface="Courier New" pitchFamily="49" charset="0"/>
-              </a:rPr>
-              <a:t>Reset variables to </a:t>
+              <a:t>// Reset variables to </a:t>
             </a:r>
             <a:r>
               <a:rPr lang="en-US" sz="1400" b="1" dirty="0">
@@ -6246,18 +6421,6 @@
             <a:endParaRPr lang="en-US" sz="1400" b="1" dirty="0" smtClean="0">
               <a:solidFill>
                 <a:schemeClr val="accent2"/>
-              </a:solidFill>
-              <a:latin typeface="Courier New" pitchFamily="49" charset="0"/>
-              <a:cs typeface="Courier New" pitchFamily="49" charset="0"/>
-            </a:endParaRPr>
-          </a:p>
-          <a:p>
-            <a:pPr marL="0" indent="0">
-              <a:buNone/>
-            </a:pPr>
-            <a:endParaRPr lang="en-US" sz="1400" b="1" dirty="0" smtClean="0">
-              <a:solidFill>
-                <a:srgbClr val="00B050"/>
               </a:solidFill>
               <a:latin typeface="Courier New" pitchFamily="49" charset="0"/>
               <a:cs typeface="Courier New" pitchFamily="49" charset="0"/>
@@ -6482,15 +6645,11 @@
             <a:graphicFrameLocks noGrp="1"/>
           </p:cNvGraphicFramePr>
           <p:nvPr>
-            <p:extLst>
-              <p:ext uri="{D42A27DB-BD31-4B8C-83A1-F6EECF244321}">
-                <p14:modId xmlns:p14="http://schemas.microsoft.com/office/powerpoint/2010/main" val="558586746"/>
-              </p:ext>
-            </p:extLst>
+            <p:extLst/>
           </p:nvPr>
         </p:nvGraphicFramePr>
         <p:xfrm>
-          <a:off x="6627377" y="2198112"/>
+          <a:off x="6837680" y="2915443"/>
           <a:ext cx="2032000" cy="3337560"/>
         </p:xfrm>
         <a:graphic>
@@ -6826,7 +6985,7 @@
     </p:spTree>
     <p:extLst>
       <p:ext uri="{BB962C8B-B14F-4D97-AF65-F5344CB8AC3E}">
-        <p14:creationId xmlns:p14="http://schemas.microsoft.com/office/powerpoint/2010/main" val="779356009"/>
+        <p14:creationId xmlns:p14="http://schemas.microsoft.com/office/powerpoint/2010/main" val="2335784015"/>
       </p:ext>
     </p:extLst>
   </p:cSld>
@@ -6949,7 +7108,7 @@
                                         <p:tgtEl>
                                           <p:spTgt spid="3">
                                             <p:txEl>
-                                              <p:pRg st="13" end="13"/>
+                                              <p:pRg st="12" end="12"/>
                                             </p:txEl>
                                           </p:spTgt>
                                         </p:tgtEl>
@@ -6980,7 +7139,7 @@
                                         <p:tgtEl>
                                           <p:spTgt spid="3">
                                             <p:txEl>
-                                              <p:pRg st="14" end="14"/>
+                                              <p:pRg st="13" end="13"/>
                                             </p:txEl>
                                           </p:spTgt>
                                         </p:tgtEl>
@@ -7029,7 +7188,7 @@
                                         <p:tgtEl>
                                           <p:spTgt spid="3">
                                             <p:txEl>
-                                              <p:pRg st="18" end="18"/>
+                                              <p:pRg st="16" end="16"/>
                                             </p:txEl>
                                           </p:spTgt>
                                         </p:tgtEl>
@@ -7060,7 +7219,7 @@
                                         <p:tgtEl>
                                           <p:spTgt spid="3">
                                             <p:txEl>
-                                              <p:pRg st="19" end="19"/>
+                                              <p:pRg st="17" end="17"/>
                                             </p:txEl>
                                           </p:spTgt>
                                         </p:tgtEl>
@@ -7158,66 +7317,96 @@
         </p:nvSpPr>
         <p:spPr>
           <a:xfrm>
-            <a:off x="348339" y="847679"/>
-            <a:ext cx="8083562" cy="5747330"/>
+            <a:off x="348339" y="1576551"/>
+            <a:ext cx="6320475" cy="4776951"/>
           </a:xfrm>
         </p:spPr>
         <p:txBody>
-          <a:bodyPr/>
+          <a:bodyPr>
+            <a:normAutofit/>
+          </a:bodyPr>
           <a:lstStyle/>
           <a:p>
             <a:pPr marL="0" indent="0">
               <a:buNone/>
             </a:pPr>
             <a:r>
-              <a:rPr lang="en-US" sz="1400" b="1" dirty="0" smtClean="0"/>
-              <a:t>Array:  </a:t>
-            </a:r>
-            <a:r>
-              <a:rPr lang="en-US" sz="1400" dirty="0"/>
-              <a:t>a collection of elements of the same data type stored in consecutive memory locations</a:t>
-            </a:r>
-            <a:r>
-              <a:rPr lang="en-US" sz="1400" dirty="0" smtClean="0"/>
-              <a:t>.</a:t>
-            </a:r>
-          </a:p>
-          <a:p>
-            <a:r>
-              <a:rPr lang="en-US" sz="1400" dirty="0"/>
-              <a:t>Index counting starts at 0</a:t>
-            </a:r>
-          </a:p>
-          <a:p>
-            <a:r>
-              <a:rPr lang="en-US" sz="1400" dirty="0"/>
-              <a:t>Max index is NUM_ELEMENTS - 1</a:t>
-            </a:r>
-          </a:p>
-          <a:p>
-            <a:pPr marL="400050" lvl="1" indent="0">
+              <a:rPr lang="en-US" sz="1400" b="1" dirty="0" smtClean="0">
+                <a:latin typeface="Courier New" pitchFamily="49" charset="0"/>
+                <a:cs typeface="Courier New" pitchFamily="49" charset="0"/>
+              </a:rPr>
+              <a:t>Examples:</a:t>
+            </a:r>
+          </a:p>
+          <a:p>
+            <a:pPr marL="0" indent="0">
               <a:buNone/>
             </a:pPr>
             <a:r>
               <a:rPr lang="en-US" sz="1400" b="1" dirty="0">
                 <a:solidFill>
+                  <a:schemeClr val="accent2"/>
+                </a:solidFill>
+                <a:latin typeface="Courier New" pitchFamily="49" charset="0"/>
+                <a:cs typeface="Courier New" pitchFamily="49" charset="0"/>
+              </a:rPr>
+              <a:t>u</a:t>
+            </a:r>
+            <a:r>
+              <a:rPr lang="en-US" sz="1400" b="1" dirty="0" smtClean="0">
+                <a:solidFill>
+                  <a:schemeClr val="accent2"/>
+                </a:solidFill>
+                <a:latin typeface="Courier New" pitchFamily="49" charset="0"/>
+                <a:cs typeface="Courier New" pitchFamily="49" charset="0"/>
+              </a:rPr>
+              <a:t>int16_t a[3</a:t>
+            </a:r>
+            <a:r>
+              <a:rPr lang="en-US" sz="1400" b="1" dirty="0">
+                <a:solidFill>
+                  <a:schemeClr val="accent2"/>
+                </a:solidFill>
+                <a:latin typeface="Courier New" pitchFamily="49" charset="0"/>
+                <a:cs typeface="Courier New" pitchFamily="49" charset="0"/>
+              </a:rPr>
+              <a:t>]; </a:t>
+            </a:r>
+            <a:r>
+              <a:rPr lang="en-US" sz="1400" b="1" dirty="0" smtClean="0">
+                <a:solidFill>
                   <a:srgbClr val="00B050"/>
                 </a:solidFill>
                 <a:latin typeface="Courier New" pitchFamily="49" charset="0"/>
                 <a:cs typeface="Courier New" pitchFamily="49" charset="0"/>
               </a:rPr>
-              <a:t>&lt;</a:t>
-            </a:r>
-            <a:r>
-              <a:rPr lang="en-US" sz="1400" b="1" dirty="0" err="1">
+              <a:t>// </a:t>
+            </a:r>
+            <a:r>
+              <a:rPr lang="en-US" sz="1400" b="1" dirty="0">
                 <a:solidFill>
                   <a:srgbClr val="00B050"/>
                 </a:solidFill>
                 <a:latin typeface="Courier New" pitchFamily="49" charset="0"/>
                 <a:cs typeface="Courier New" pitchFamily="49" charset="0"/>
               </a:rPr>
-              <a:t>data_type</a:t>
-            </a:r>
+              <a:t>address of a[0] is 0x1000, </a:t>
+            </a:r>
+            <a:r>
+              <a:rPr lang="en-US" sz="1400" b="1" dirty="0" smtClean="0">
+                <a:solidFill>
+                  <a:srgbClr val="00B050"/>
+                </a:solidFill>
+                <a:latin typeface="Courier New" pitchFamily="49" charset="0"/>
+                <a:cs typeface="Courier New" pitchFamily="49" charset="0"/>
+              </a:rPr>
+              <a:t>                </a:t>
+            </a:r>
+          </a:p>
+          <a:p>
+            <a:pPr marL="0" indent="0">
+              <a:buNone/>
+            </a:pPr>
             <a:r>
               <a:rPr lang="en-US" sz="1400" b="1" dirty="0">
                 <a:solidFill>
@@ -7226,17 +7415,37 @@
                 <a:latin typeface="Courier New" pitchFamily="49" charset="0"/>
                 <a:cs typeface="Courier New" pitchFamily="49" charset="0"/>
               </a:rPr>
-              <a:t>&gt; </a:t>
-            </a:r>
-            <a:r>
-              <a:rPr lang="en-US" sz="1400" b="1" dirty="0" err="1">
+              <a:t> </a:t>
+            </a:r>
+            <a:r>
+              <a:rPr lang="en-US" sz="1400" b="1" dirty="0" smtClean="0">
                 <a:solidFill>
                   <a:srgbClr val="00B050"/>
                 </a:solidFill>
                 <a:latin typeface="Courier New" pitchFamily="49" charset="0"/>
                 <a:cs typeface="Courier New" pitchFamily="49" charset="0"/>
               </a:rPr>
-              <a:t>array_name</a:t>
+              <a:t>        </a:t>
+            </a:r>
+            <a:r>
+              <a:rPr lang="en-US" sz="1400" b="1" dirty="0" smtClean="0">
+                <a:solidFill>
+                  <a:srgbClr val="00B050"/>
+                </a:solidFill>
+                <a:latin typeface="Courier New" pitchFamily="49" charset="0"/>
+                <a:cs typeface="Courier New" pitchFamily="49" charset="0"/>
+              </a:rPr>
+              <a:t>      </a:t>
+            </a:r>
+            <a:r>
+              <a:rPr lang="en-US" sz="1400" b="1" dirty="0" smtClean="0">
+                <a:solidFill>
+                  <a:srgbClr val="00B050"/>
+                </a:solidFill>
+                <a:latin typeface="Courier New" pitchFamily="49" charset="0"/>
+                <a:cs typeface="Courier New" pitchFamily="49" charset="0"/>
+              </a:rPr>
+              <a:t>// address </a:t>
             </a:r>
             <a:r>
               <a:rPr lang="en-US" sz="1400" b="1" dirty="0">
@@ -7246,7 +7455,7 @@
                 <a:latin typeface="Courier New" pitchFamily="49" charset="0"/>
                 <a:cs typeface="Courier New" pitchFamily="49" charset="0"/>
               </a:rPr>
-              <a:t>[NUM_ELEMENTS]; // Uninitialized </a:t>
+              <a:t>of a[1] is 0x1002, </a:t>
             </a:r>
             <a:endParaRPr lang="en-US" sz="1400" b="1" dirty="0" smtClean="0">
               <a:solidFill>
@@ -7257,10 +7466,20 @@
             </a:endParaRPr>
           </a:p>
           <a:p>
-            <a:pPr marL="400050" lvl="1" indent="0">
+            <a:pPr marL="0" indent="0">
               <a:buNone/>
             </a:pPr>
             <a:r>
+              <a:rPr lang="en-US" sz="1400" b="1" dirty="0">
+                <a:solidFill>
+                  <a:srgbClr val="00B050"/>
+                </a:solidFill>
+                <a:latin typeface="Courier New" pitchFamily="49" charset="0"/>
+                <a:cs typeface="Courier New" pitchFamily="49" charset="0"/>
+              </a:rPr>
+              <a:t> </a:t>
+            </a:r>
+            <a:r>
               <a:rPr lang="en-US" sz="1400" b="1" dirty="0" smtClean="0">
                 <a:solidFill>
                   <a:srgbClr val="00B050"/>
@@ -7268,17 +7487,27 @@
                 <a:latin typeface="Courier New" pitchFamily="49" charset="0"/>
                 <a:cs typeface="Courier New" pitchFamily="49" charset="0"/>
               </a:rPr>
-              <a:t>&lt;</a:t>
-            </a:r>
-            <a:r>
-              <a:rPr lang="en-US" sz="1400" b="1" dirty="0" err="1">
+              <a:t>        </a:t>
+            </a:r>
+            <a:r>
+              <a:rPr lang="en-US" sz="1400" b="1" dirty="0" smtClean="0">
                 <a:solidFill>
                   <a:srgbClr val="00B050"/>
                 </a:solidFill>
                 <a:latin typeface="Courier New" pitchFamily="49" charset="0"/>
                 <a:cs typeface="Courier New" pitchFamily="49" charset="0"/>
               </a:rPr>
-              <a:t>data_type</a:t>
+              <a:t>      </a:t>
+            </a:r>
+            <a:r>
+              <a:rPr lang="en-US" sz="1400" b="1" dirty="0" smtClean="0">
+                <a:solidFill>
+                  <a:srgbClr val="00B050"/>
+                </a:solidFill>
+                <a:latin typeface="Courier New" pitchFamily="49" charset="0"/>
+                <a:cs typeface="Courier New" pitchFamily="49" charset="0"/>
+              </a:rPr>
+              <a:t>// address </a:t>
             </a:r>
             <a:r>
               <a:rPr lang="en-US" sz="1400" b="1" dirty="0">
@@ -7288,17 +7517,82 @@
                 <a:latin typeface="Courier New" pitchFamily="49" charset="0"/>
                 <a:cs typeface="Courier New" pitchFamily="49" charset="0"/>
               </a:rPr>
-              <a:t>&gt; </a:t>
-            </a:r>
-            <a:r>
-              <a:rPr lang="en-US" sz="1400" b="1" dirty="0" err="1">
+              <a:t>of a[2] is 0x1004</a:t>
+            </a:r>
+          </a:p>
+          <a:p>
+            <a:pPr marL="0" indent="0">
+              <a:buNone/>
+            </a:pPr>
+            <a:r>
+              <a:rPr lang="en-US" sz="1400" b="1" dirty="0" smtClean="0">
+                <a:solidFill>
+                  <a:schemeClr val="accent2"/>
+                </a:solidFill>
+                <a:latin typeface="Courier New" pitchFamily="49" charset="0"/>
+                <a:cs typeface="Courier New" pitchFamily="49" charset="0"/>
+              </a:rPr>
+              <a:t>uint16_t</a:t>
+            </a:r>
+            <a:r>
+              <a:rPr lang="en-US" sz="1400" dirty="0" smtClean="0">
+                <a:solidFill>
+                  <a:schemeClr val="accent2"/>
+                </a:solidFill>
+                <a:latin typeface="Courier New" pitchFamily="49" charset="0"/>
+                <a:cs typeface="Courier New" pitchFamily="49" charset="0"/>
+              </a:rPr>
+              <a:t>* </a:t>
+            </a:r>
+            <a:r>
+              <a:rPr lang="en-US" sz="1400" b="1" dirty="0" err="1" smtClean="0">
+                <a:solidFill>
+                  <a:schemeClr val="accent2"/>
+                </a:solidFill>
+                <a:latin typeface="Courier New" pitchFamily="49" charset="0"/>
+                <a:cs typeface="Courier New" pitchFamily="49" charset="0"/>
+              </a:rPr>
+              <a:t>myPtr</a:t>
+            </a:r>
+            <a:r>
+              <a:rPr lang="en-US" sz="1400" b="1" dirty="0" smtClean="0">
+                <a:solidFill>
+                  <a:schemeClr val="accent2"/>
+                </a:solidFill>
+                <a:latin typeface="Courier New" pitchFamily="49" charset="0"/>
+                <a:cs typeface="Courier New" pitchFamily="49" charset="0"/>
+              </a:rPr>
+              <a:t>;  </a:t>
+            </a:r>
+            <a:r>
+              <a:rPr lang="en-US" sz="1400" b="1" dirty="0" smtClean="0">
                 <a:solidFill>
                   <a:srgbClr val="00B050"/>
                 </a:solidFill>
                 <a:latin typeface="Courier New" pitchFamily="49" charset="0"/>
                 <a:cs typeface="Courier New" pitchFamily="49" charset="0"/>
               </a:rPr>
-              <a:t>array_name</a:t>
+              <a:t>// </a:t>
+            </a:r>
+            <a:r>
+              <a:rPr lang="en-US" sz="1400" b="1" dirty="0" err="1" smtClean="0">
+                <a:solidFill>
+                  <a:srgbClr val="00B050"/>
+                </a:solidFill>
+                <a:latin typeface="Courier New" pitchFamily="49" charset="0"/>
+                <a:cs typeface="Courier New" pitchFamily="49" charset="0"/>
+              </a:rPr>
+              <a:t>myPtr</a:t>
+            </a:r>
+            <a:r>
+              <a:rPr lang="en-US" sz="1400" b="1" dirty="0" smtClean="0">
+                <a:solidFill>
+                  <a:srgbClr val="00B050"/>
+                </a:solidFill>
+                <a:latin typeface="Courier New" pitchFamily="49" charset="0"/>
+                <a:cs typeface="Courier New" pitchFamily="49" charset="0"/>
+              </a:rPr>
+              <a:t> is </a:t>
             </a:r>
             <a:r>
               <a:rPr lang="en-US" sz="1400" b="1" dirty="0">
@@ -7308,322 +7602,42 @@
                 <a:latin typeface="Courier New" pitchFamily="49" charset="0"/>
                 <a:cs typeface="Courier New" pitchFamily="49" charset="0"/>
               </a:rPr>
-              <a:t>[] = {val0, val1, ...}; // Initialized</a:t>
-            </a:r>
-            <a:endParaRPr lang="en-US" sz="1400" b="1" dirty="0" smtClean="0">
-              <a:solidFill>
-                <a:srgbClr val="00B050"/>
-              </a:solidFill>
-              <a:latin typeface="Courier New" pitchFamily="49" charset="0"/>
-              <a:cs typeface="Courier New" pitchFamily="49" charset="0"/>
-            </a:endParaRPr>
-          </a:p>
-          <a:p>
-            <a:r>
-              <a:rPr lang="en-US" sz="1400" dirty="0" err="1">
-                <a:solidFill>
-                  <a:srgbClr val="00B050"/>
-                </a:solidFill>
-              </a:rPr>
-              <a:t>array_name</a:t>
-            </a:r>
-            <a:r>
-              <a:rPr lang="en-US" sz="1400" dirty="0"/>
-              <a:t> </a:t>
-            </a:r>
-            <a:r>
-              <a:rPr lang="en-US" sz="1400" b="1" dirty="0"/>
-              <a:t>decays</a:t>
-            </a:r>
-            <a:r>
-              <a:rPr lang="en-US" sz="1400" dirty="0"/>
-              <a:t> into a </a:t>
+              <a:t>0x1006</a:t>
+            </a:r>
+          </a:p>
+          <a:p>
+            <a:pPr marL="0" indent="0">
+              <a:buNone/>
+            </a:pPr>
+            <a:r>
+              <a:rPr lang="en-US" sz="1400" b="1" dirty="0">
+                <a:solidFill>
+                  <a:schemeClr val="accent2"/>
+                </a:solidFill>
+                <a:latin typeface="Courier New" pitchFamily="49" charset="0"/>
+                <a:cs typeface="Courier New" pitchFamily="49" charset="0"/>
+              </a:rPr>
+              <a:t>uint16_t</a:t>
             </a:r>
             <a:r>
               <a:rPr lang="en-US" sz="1400" dirty="0">
                 <a:solidFill>
                   <a:schemeClr val="accent2"/>
                 </a:solidFill>
-              </a:rPr>
-              <a:t>pointer</a:t>
-            </a:r>
-            <a:r>
-              <a:rPr lang="en-US" sz="1400" dirty="0"/>
-              <a:t> to the first element in the array</a:t>
-            </a:r>
-          </a:p>
-          <a:p>
-            <a:r>
-              <a:rPr lang="en-US" sz="1400" dirty="0">
-                <a:solidFill>
-                  <a:srgbClr val="00B050"/>
-                </a:solidFill>
-              </a:rPr>
-              <a:t>&lt;</a:t>
-            </a:r>
-            <a:r>
-              <a:rPr lang="en-US" sz="1400" dirty="0" err="1">
-                <a:solidFill>
-                  <a:srgbClr val="00B050"/>
-                </a:solidFill>
-              </a:rPr>
-              <a:t>data_type</a:t>
-            </a:r>
-            <a:r>
-              <a:rPr lang="en-US" sz="1400" dirty="0">
-                <a:solidFill>
-                  <a:srgbClr val="00B050"/>
-                </a:solidFill>
-              </a:rPr>
-              <a:t>&gt; </a:t>
-            </a:r>
-            <a:r>
-              <a:rPr lang="en-US" sz="1400" dirty="0"/>
-              <a:t>lets the compiler know how much to "jump" between elements in the array</a:t>
-            </a:r>
-          </a:p>
-          <a:p>
-            <a:pPr marL="0" indent="0">
-              <a:buNone/>
-            </a:pPr>
+                <a:latin typeface="Courier New" pitchFamily="49" charset="0"/>
+                <a:cs typeface="Courier New" pitchFamily="49" charset="0"/>
+              </a:rPr>
+              <a:t> x</a:t>
+            </a:r>
             <a:r>
               <a:rPr lang="en-US" sz="1400" b="1" dirty="0" smtClean="0">
-                <a:latin typeface="Courier New" pitchFamily="49" charset="0"/>
-                <a:cs typeface="Courier New" pitchFamily="49" charset="0"/>
-              </a:rPr>
-              <a:t>Examples:</a:t>
-            </a:r>
-          </a:p>
-          <a:p>
-            <a:pPr marL="0" indent="0">
-              <a:buNone/>
-            </a:pPr>
-            <a:r>
-              <a:rPr lang="en-US" sz="1400" b="1" dirty="0">
                 <a:solidFill>
                   <a:schemeClr val="accent2"/>
                 </a:solidFill>
                 <a:latin typeface="Courier New" pitchFamily="49" charset="0"/>
                 <a:cs typeface="Courier New" pitchFamily="49" charset="0"/>
               </a:rPr>
-              <a:t>unsigned int a[3]; </a:t>
-            </a:r>
-            <a:r>
-              <a:rPr lang="en-US" sz="1400" b="1" dirty="0" smtClean="0">
-                <a:solidFill>
-                  <a:srgbClr val="00B050"/>
-                </a:solidFill>
-                <a:latin typeface="Courier New" pitchFamily="49" charset="0"/>
-                <a:cs typeface="Courier New" pitchFamily="49" charset="0"/>
-              </a:rPr>
-              <a:t>// </a:t>
-            </a:r>
-            <a:r>
-              <a:rPr lang="en-US" sz="1400" b="1" dirty="0">
-                <a:solidFill>
-                  <a:srgbClr val="00B050"/>
-                </a:solidFill>
-                <a:latin typeface="Courier New" pitchFamily="49" charset="0"/>
-                <a:cs typeface="Courier New" pitchFamily="49" charset="0"/>
-              </a:rPr>
-              <a:t>address of a[0] is 0x1000, </a:t>
-            </a:r>
-            <a:r>
-              <a:rPr lang="en-US" sz="1400" b="1" dirty="0" smtClean="0">
-                <a:solidFill>
-                  <a:srgbClr val="00B050"/>
-                </a:solidFill>
-                <a:latin typeface="Courier New" pitchFamily="49" charset="0"/>
-                <a:cs typeface="Courier New" pitchFamily="49" charset="0"/>
-              </a:rPr>
-              <a:t>                </a:t>
-            </a:r>
-          </a:p>
-          <a:p>
-            <a:pPr marL="0" indent="0">
-              <a:buNone/>
-            </a:pPr>
-            <a:r>
-              <a:rPr lang="en-US" sz="1400" b="1" dirty="0">
-                <a:solidFill>
-                  <a:srgbClr val="00B050"/>
-                </a:solidFill>
-                <a:latin typeface="Courier New" pitchFamily="49" charset="0"/>
-                <a:cs typeface="Courier New" pitchFamily="49" charset="0"/>
-              </a:rPr>
-              <a:t> </a:t>
-            </a:r>
-            <a:r>
-              <a:rPr lang="en-US" sz="1400" b="1" dirty="0" smtClean="0">
-                <a:solidFill>
-                  <a:srgbClr val="00B050"/>
-                </a:solidFill>
-                <a:latin typeface="Courier New" pitchFamily="49" charset="0"/>
-                <a:cs typeface="Courier New" pitchFamily="49" charset="0"/>
-              </a:rPr>
-              <a:t>                  // address </a:t>
-            </a:r>
-            <a:r>
-              <a:rPr lang="en-US" sz="1400" b="1" dirty="0">
-                <a:solidFill>
-                  <a:srgbClr val="00B050"/>
-                </a:solidFill>
-                <a:latin typeface="Courier New" pitchFamily="49" charset="0"/>
-                <a:cs typeface="Courier New" pitchFamily="49" charset="0"/>
-              </a:rPr>
-              <a:t>of a[1] is 0x1002, </a:t>
-            </a:r>
-            <a:endParaRPr lang="en-US" sz="1400" b="1" dirty="0" smtClean="0">
-              <a:solidFill>
-                <a:srgbClr val="00B050"/>
-              </a:solidFill>
-              <a:latin typeface="Courier New" pitchFamily="49" charset="0"/>
-              <a:cs typeface="Courier New" pitchFamily="49" charset="0"/>
-            </a:endParaRPr>
-          </a:p>
-          <a:p>
-            <a:pPr marL="0" indent="0">
-              <a:buNone/>
-            </a:pPr>
-            <a:r>
-              <a:rPr lang="en-US" sz="1400" b="1" dirty="0">
-                <a:solidFill>
-                  <a:srgbClr val="00B050"/>
-                </a:solidFill>
-                <a:latin typeface="Courier New" pitchFamily="49" charset="0"/>
-                <a:cs typeface="Courier New" pitchFamily="49" charset="0"/>
-              </a:rPr>
-              <a:t> </a:t>
-            </a:r>
-            <a:r>
-              <a:rPr lang="en-US" sz="1400" b="1" dirty="0" smtClean="0">
-                <a:solidFill>
-                  <a:srgbClr val="00B050"/>
-                </a:solidFill>
-                <a:latin typeface="Courier New" pitchFamily="49" charset="0"/>
-                <a:cs typeface="Courier New" pitchFamily="49" charset="0"/>
-              </a:rPr>
-              <a:t>                  // address </a:t>
-            </a:r>
-            <a:r>
-              <a:rPr lang="en-US" sz="1400" b="1" dirty="0">
-                <a:solidFill>
-                  <a:srgbClr val="00B050"/>
-                </a:solidFill>
-                <a:latin typeface="Courier New" pitchFamily="49" charset="0"/>
-                <a:cs typeface="Courier New" pitchFamily="49" charset="0"/>
-              </a:rPr>
-              <a:t>of a[2] is 0x1004</a:t>
-            </a:r>
-          </a:p>
-          <a:p>
-            <a:pPr marL="0" indent="0">
-              <a:buNone/>
-            </a:pPr>
-            <a:r>
-              <a:rPr lang="en-US" sz="1400" b="1" dirty="0">
-                <a:solidFill>
-                  <a:schemeClr val="accent2"/>
-                </a:solidFill>
-                <a:latin typeface="Courier New" pitchFamily="49" charset="0"/>
-                <a:cs typeface="Courier New" pitchFamily="49" charset="0"/>
-              </a:rPr>
-              <a:t>unsigned </a:t>
-            </a:r>
-            <a:r>
-              <a:rPr lang="en-US" sz="1400" b="1" dirty="0" smtClean="0">
-                <a:solidFill>
-                  <a:schemeClr val="accent2"/>
-                </a:solidFill>
-                <a:latin typeface="Courier New" pitchFamily="49" charset="0"/>
-                <a:cs typeface="Courier New" pitchFamily="49" charset="0"/>
-              </a:rPr>
-              <a:t>int* </a:t>
-            </a:r>
-            <a:r>
-              <a:rPr lang="en-US" sz="1400" b="1" dirty="0" err="1" smtClean="0">
-                <a:solidFill>
-                  <a:schemeClr val="accent2"/>
-                </a:solidFill>
-                <a:latin typeface="Courier New" pitchFamily="49" charset="0"/>
-                <a:cs typeface="Courier New" pitchFamily="49" charset="0"/>
-              </a:rPr>
-              <a:t>myPtr</a:t>
-            </a:r>
-            <a:r>
-              <a:rPr lang="en-US" sz="1400" b="1" dirty="0" smtClean="0">
-                <a:solidFill>
-                  <a:schemeClr val="accent2"/>
-                </a:solidFill>
-                <a:latin typeface="Courier New" pitchFamily="49" charset="0"/>
-                <a:cs typeface="Courier New" pitchFamily="49" charset="0"/>
-              </a:rPr>
-              <a:t>;  </a:t>
-            </a:r>
-            <a:r>
-              <a:rPr lang="en-US" sz="1400" b="1" dirty="0" smtClean="0">
-                <a:solidFill>
-                  <a:srgbClr val="00B050"/>
-                </a:solidFill>
-                <a:latin typeface="Courier New" pitchFamily="49" charset="0"/>
-                <a:cs typeface="Courier New" pitchFamily="49" charset="0"/>
-              </a:rPr>
-              <a:t>// </a:t>
-            </a:r>
-            <a:r>
-              <a:rPr lang="en-US" sz="1400" b="1" dirty="0" err="1" smtClean="0">
-                <a:solidFill>
-                  <a:srgbClr val="00B050"/>
-                </a:solidFill>
-                <a:latin typeface="Courier New" pitchFamily="49" charset="0"/>
-                <a:cs typeface="Courier New" pitchFamily="49" charset="0"/>
-              </a:rPr>
-              <a:t>myPtr</a:t>
-            </a:r>
-            <a:r>
-              <a:rPr lang="en-US" sz="1400" b="1" dirty="0" smtClean="0">
-                <a:solidFill>
-                  <a:srgbClr val="00B050"/>
-                </a:solidFill>
-                <a:latin typeface="Courier New" pitchFamily="49" charset="0"/>
-                <a:cs typeface="Courier New" pitchFamily="49" charset="0"/>
-              </a:rPr>
-              <a:t> is </a:t>
-            </a:r>
-            <a:r>
-              <a:rPr lang="en-US" sz="1400" b="1" dirty="0">
-                <a:solidFill>
-                  <a:srgbClr val="00B050"/>
-                </a:solidFill>
-                <a:latin typeface="Courier New" pitchFamily="49" charset="0"/>
-                <a:cs typeface="Courier New" pitchFamily="49" charset="0"/>
-              </a:rPr>
-              <a:t>0x1006</a:t>
-            </a:r>
-          </a:p>
-          <a:p>
-            <a:pPr marL="0" indent="0">
-              <a:buNone/>
-            </a:pPr>
-            <a:r>
-              <a:rPr lang="en-US" sz="1400" b="1" dirty="0">
-                <a:solidFill>
-                  <a:schemeClr val="accent2"/>
-                </a:solidFill>
-                <a:latin typeface="Courier New" pitchFamily="49" charset="0"/>
-                <a:cs typeface="Courier New" pitchFamily="49" charset="0"/>
-              </a:rPr>
-              <a:t>u</a:t>
-            </a:r>
-            <a:r>
-              <a:rPr lang="en-US" sz="1400" b="1" dirty="0" smtClean="0">
-                <a:solidFill>
-                  <a:schemeClr val="accent2"/>
-                </a:solidFill>
-                <a:latin typeface="Courier New" pitchFamily="49" charset="0"/>
-                <a:cs typeface="Courier New" pitchFamily="49" charset="0"/>
-              </a:rPr>
-              <a:t>nsigned int x;</a:t>
+              <a:t>;</a:t>
             </a:r>
           </a:p>
           <a:p>
@@ -7917,15 +7931,11 @@
             <a:graphicFrameLocks noGrp="1"/>
           </p:cNvGraphicFramePr>
           <p:nvPr>
-            <p:extLst>
-              <p:ext uri="{D42A27DB-BD31-4B8C-83A1-F6EECF244321}">
-                <p14:modId xmlns:p14="http://schemas.microsoft.com/office/powerpoint/2010/main" val="2211377847"/>
-              </p:ext>
-            </p:extLst>
+            <p:extLst/>
           </p:nvPr>
         </p:nvGraphicFramePr>
         <p:xfrm>
-          <a:off x="6934874" y="2699818"/>
+          <a:off x="6753571" y="2140258"/>
           <a:ext cx="2032000" cy="4079240"/>
         </p:xfrm>
         <a:graphic>
@@ -8347,7 +8357,7 @@
     </p:spTree>
     <p:extLst>
       <p:ext uri="{BB962C8B-B14F-4D97-AF65-F5344CB8AC3E}">
-        <p14:creationId xmlns:p14="http://schemas.microsoft.com/office/powerpoint/2010/main" val="1520972213"/>
+        <p14:creationId xmlns:p14="http://schemas.microsoft.com/office/powerpoint/2010/main" val="3678311931"/>
       </p:ext>
     </p:extLst>
   </p:cSld>
@@ -8432,14 +8442,14 @@
                 <a:latin typeface="Courier New" pitchFamily="49" charset="0"/>
                 <a:cs typeface="Courier New" pitchFamily="49" charset="0"/>
               </a:rPr>
-              <a:t>char x; </a:t>
+              <a:t>u</a:t>
             </a:r>
             <a:r>
               <a:rPr lang="en-US" sz="1400" b="1" dirty="0" smtClean="0">
                 <a:latin typeface="Courier New" pitchFamily="49" charset="0"/>
                 <a:cs typeface="Courier New" pitchFamily="49" charset="0"/>
               </a:rPr>
-              <a:t>    </a:t>
+              <a:t>int8_t x = 0xFF;     </a:t>
             </a:r>
             <a:r>
               <a:rPr lang="en-US" sz="1400" b="1" dirty="0" smtClean="0">
@@ -8471,17 +8481,38 @@
                 <a:latin typeface="Courier New" pitchFamily="49" charset="0"/>
                 <a:cs typeface="Courier New" pitchFamily="49" charset="0"/>
               </a:rPr>
-              <a:t>char y[3</a:t>
+              <a:t>u</a:t>
             </a:r>
             <a:r>
               <a:rPr lang="en-US" sz="1400" b="1" dirty="0" smtClean="0">
                 <a:latin typeface="Courier New" pitchFamily="49" charset="0"/>
                 <a:cs typeface="Courier New" pitchFamily="49" charset="0"/>
               </a:rPr>
-              <a:t>];  </a:t>
+              <a:t>int8_t</a:t>
             </a:r>
             <a:r>
               <a:rPr lang="en-US" sz="1400" b="1" dirty="0" smtClean="0">
+                <a:latin typeface="Courier New" pitchFamily="49" charset="0"/>
+                <a:cs typeface="Courier New" pitchFamily="49" charset="0"/>
+              </a:rPr>
+              <a:t> </a:t>
+            </a:r>
+            <a:r>
+              <a:rPr lang="en-US" sz="1400" b="1" dirty="0">
+                <a:latin typeface="Courier New" pitchFamily="49" charset="0"/>
+                <a:cs typeface="Courier New" pitchFamily="49" charset="0"/>
+              </a:rPr>
+              <a:t>y[3</a:t>
+            </a:r>
+            <a:r>
+              <a:rPr lang="en-US" sz="1400" b="1" dirty="0" smtClean="0">
+                <a:latin typeface="Courier New" pitchFamily="49" charset="0"/>
+                <a:cs typeface="Courier New" pitchFamily="49" charset="0"/>
+              </a:rPr>
+              <a:t>] = {0x23,0x56,0x89};  </a:t>
+            </a:r>
+            <a:r>
+              <a:rPr lang="en-US" sz="1400" b="1" dirty="0" smtClean="0">
                 <a:solidFill>
                   <a:srgbClr val="00B050"/>
                 </a:solidFill>
@@ -8491,6 +8522,26 @@
               <a:t>// </a:t>
             </a:r>
             <a:r>
+              <a:rPr lang="en-US" sz="1400" b="1" dirty="0" smtClean="0">
+                <a:solidFill>
+                  <a:srgbClr val="00B050"/>
+                </a:solidFill>
+                <a:latin typeface="Courier New" pitchFamily="49" charset="0"/>
+                <a:cs typeface="Courier New" pitchFamily="49" charset="0"/>
+              </a:rPr>
+              <a:t>starts at m</a:t>
+            </a:r>
+            <a:r>
+              <a:rPr lang="en-US" sz="1400" b="1" dirty="0" smtClean="0">
+                <a:solidFill>
+                  <a:srgbClr val="00B050"/>
+                </a:solidFill>
+                <a:latin typeface="Courier New" pitchFamily="49" charset="0"/>
+                <a:cs typeface="Courier New" pitchFamily="49" charset="0"/>
+              </a:rPr>
+              <a:t>emory location </a:t>
+            </a:r>
+            <a:r>
               <a:rPr lang="en-US" sz="1400" b="1" dirty="0">
                 <a:solidFill>
                   <a:srgbClr val="00B050"/>
@@ -8498,8 +8549,15 @@
                 <a:latin typeface="Courier New" pitchFamily="49" charset="0"/>
                 <a:cs typeface="Courier New" pitchFamily="49" charset="0"/>
               </a:rPr>
-              <a:t>Memory locations: 0x0801 = 0x23, 0x0802 = 0x56, 0x0803 = 0x89</a:t>
-            </a:r>
+              <a:t>0x0801 </a:t>
+            </a:r>
+            <a:endParaRPr lang="en-US" sz="1400" b="1" dirty="0" smtClean="0">
+              <a:solidFill>
+                <a:srgbClr val="00B050"/>
+              </a:solidFill>
+              <a:latin typeface="Courier New" pitchFamily="49" charset="0"/>
+              <a:cs typeface="Courier New" pitchFamily="49" charset="0"/>
+            </a:endParaRPr>
           </a:p>
           <a:p>
             <a:pPr marL="0" indent="0">
@@ -8510,51 +8568,81 @@
                 <a:latin typeface="Courier New" pitchFamily="49" charset="0"/>
                 <a:cs typeface="Courier New" pitchFamily="49" charset="0"/>
               </a:rPr>
-              <a:t>char* </a:t>
-            </a:r>
-            <a:r>
-              <a:rPr lang="en-US" sz="1400" b="1" dirty="0" err="1">
+              <a:t>u</a:t>
+            </a:r>
+            <a:r>
+              <a:rPr lang="en-US" sz="1400" b="1" dirty="0" smtClean="0">
+                <a:latin typeface="Courier New" pitchFamily="49" charset="0"/>
+                <a:cs typeface="Courier New" pitchFamily="49" charset="0"/>
+              </a:rPr>
+              <a:t>int8_t</a:t>
+            </a:r>
+            <a:r>
+              <a:rPr lang="en-US" sz="1400" b="1" dirty="0" smtClean="0">
+                <a:latin typeface="Courier New" pitchFamily="49" charset="0"/>
+                <a:cs typeface="Courier New" pitchFamily="49" charset="0"/>
+              </a:rPr>
+              <a:t>* </a:t>
+            </a:r>
+            <a:r>
+              <a:rPr lang="en-US" sz="1400" b="1" dirty="0" err="1" smtClean="0">
                 <a:latin typeface="Courier New" pitchFamily="49" charset="0"/>
                 <a:cs typeface="Courier New" pitchFamily="49" charset="0"/>
               </a:rPr>
               <a:t>letter_ptr</a:t>
             </a:r>
             <a:r>
+              <a:rPr lang="en-US" sz="1400" b="1" dirty="0" smtClean="0">
+                <a:latin typeface="Courier New" pitchFamily="49" charset="0"/>
+                <a:cs typeface="Courier New" pitchFamily="49" charset="0"/>
+              </a:rPr>
+              <a:t> = 0;        </a:t>
+            </a:r>
+            <a:r>
+              <a:rPr lang="en-US" sz="1400" b="1" dirty="0" smtClean="0">
+                <a:solidFill>
+                  <a:srgbClr val="00B050"/>
+                </a:solidFill>
+                <a:latin typeface="Courier New" pitchFamily="49" charset="0"/>
+                <a:cs typeface="Courier New" pitchFamily="49" charset="0"/>
+              </a:rPr>
+              <a:t>// </a:t>
+            </a:r>
+            <a:r>
               <a:rPr lang="en-US" sz="1400" b="1" dirty="0">
-                <a:latin typeface="Courier New" pitchFamily="49" charset="0"/>
-                <a:cs typeface="Courier New" pitchFamily="49" charset="0"/>
-              </a:rPr>
-              <a:t>;        </a:t>
+                <a:solidFill>
+                  <a:srgbClr val="00B050"/>
+                </a:solidFill>
+                <a:latin typeface="Courier New" pitchFamily="49" charset="0"/>
+                <a:cs typeface="Courier New" pitchFamily="49" charset="0"/>
+              </a:rPr>
+              <a:t>Memory locations: 0x0804 - 0x0805 </a:t>
+            </a:r>
+            <a:endParaRPr lang="en-US" sz="1400" b="1" dirty="0" smtClean="0">
+              <a:solidFill>
+                <a:srgbClr val="00B050"/>
+              </a:solidFill>
+              <a:latin typeface="Courier New" pitchFamily="49" charset="0"/>
+              <a:cs typeface="Courier New" pitchFamily="49" charset="0"/>
+            </a:endParaRPr>
+          </a:p>
+          <a:p>
+            <a:pPr marL="0" indent="0">
+              <a:buNone/>
+            </a:pPr>
+            <a:r>
+              <a:rPr lang="en-US" sz="1400" b="1" dirty="0" err="1" smtClean="0">
+                <a:latin typeface="Courier New" pitchFamily="49" charset="0"/>
+                <a:cs typeface="Courier New" pitchFamily="49" charset="0"/>
+              </a:rPr>
+              <a:t>letter_ptr</a:t>
             </a:r>
             <a:r>
               <a:rPr lang="en-US" sz="1400" b="1" dirty="0" smtClean="0">
-                <a:solidFill>
-                  <a:srgbClr val="00B050"/>
-                </a:solidFill>
-                <a:latin typeface="Courier New" pitchFamily="49" charset="0"/>
-                <a:cs typeface="Courier New" pitchFamily="49" charset="0"/>
-              </a:rPr>
-              <a:t>// </a:t>
-            </a:r>
-            <a:r>
-              <a:rPr lang="en-US" sz="1400" b="1" dirty="0">
-                <a:solidFill>
-                  <a:srgbClr val="00B050"/>
-                </a:solidFill>
-                <a:latin typeface="Courier New" pitchFamily="49" charset="0"/>
-                <a:cs typeface="Courier New" pitchFamily="49" charset="0"/>
-              </a:rPr>
-              <a:t>Memory locations: 0x0804 - 0x0805 = </a:t>
-            </a:r>
-            <a:r>
-              <a:rPr lang="en-US" sz="1400" b="1" dirty="0" smtClean="0">
-                <a:solidFill>
-                  <a:srgbClr val="00B050"/>
-                </a:solidFill>
-                <a:latin typeface="Courier New" pitchFamily="49" charset="0"/>
-                <a:cs typeface="Courier New" pitchFamily="49" charset="0"/>
-              </a:rPr>
-              <a:t>0xABDC</a:t>
+                <a:latin typeface="Courier New" pitchFamily="49" charset="0"/>
+                <a:cs typeface="Courier New" pitchFamily="49" charset="0"/>
+              </a:rPr>
+              <a:t> = 0xABCD;</a:t>
             </a:r>
           </a:p>
           <a:p>
@@ -8713,28 +8801,6 @@
               <a:buNone/>
             </a:pPr>
             <a:r>
-              <a:rPr lang="en-US" sz="1400" b="1" dirty="0">
-                <a:solidFill>
-                  <a:srgbClr val="00B050"/>
-                </a:solidFill>
-                <a:latin typeface="Courier New" pitchFamily="49" charset="0"/>
-                <a:cs typeface="Courier New" pitchFamily="49" charset="0"/>
-              </a:rPr>
-              <a:t>// Reset variables to original state</a:t>
-            </a:r>
-            <a:endParaRPr lang="en-US" sz="1400" b="1" dirty="0">
-              <a:solidFill>
-                <a:schemeClr val="accent2"/>
-              </a:solidFill>
-              <a:latin typeface="Courier New" pitchFamily="49" charset="0"/>
-              <a:cs typeface="Courier New" pitchFamily="49" charset="0"/>
-            </a:endParaRPr>
-          </a:p>
-          <a:p>
-            <a:pPr marL="0" indent="0">
-              <a:buNone/>
-            </a:pPr>
-            <a:r>
               <a:rPr lang="fr-FR" sz="1400" b="1" dirty="0" err="1" smtClean="0">
                 <a:solidFill>
                   <a:schemeClr val="accent2"/>
@@ -8804,7 +8870,27 @@
                 <a:latin typeface="Courier New" pitchFamily="49" charset="0"/>
                 <a:cs typeface="Courier New" pitchFamily="49" charset="0"/>
               </a:rPr>
-              <a:t> + 2);          </a:t>
+              <a:t> </a:t>
+            </a:r>
+            <a:r>
+              <a:rPr lang="fr-FR" sz="1400" b="1">
+                <a:solidFill>
+                  <a:schemeClr val="accent2"/>
+                </a:solidFill>
+                <a:latin typeface="Courier New" pitchFamily="49" charset="0"/>
+                <a:cs typeface="Courier New" pitchFamily="49" charset="0"/>
+              </a:rPr>
+              <a:t>+ </a:t>
+            </a:r>
+            <a:r>
+              <a:rPr lang="fr-FR" sz="1400" b="1" smtClean="0">
+                <a:solidFill>
+                  <a:schemeClr val="accent2"/>
+                </a:solidFill>
+                <a:latin typeface="Courier New" pitchFamily="49" charset="0"/>
+                <a:cs typeface="Courier New" pitchFamily="49" charset="0"/>
+              </a:rPr>
+              <a:t>1);          </a:t>
             </a:r>
             <a:endParaRPr lang="fr-FR" sz="1400" b="1" dirty="0" smtClean="0">
               <a:solidFill>
@@ -8821,28 +8907,6 @@
             <a:endParaRPr lang="fr-FR" sz="1400" b="1" dirty="0">
               <a:solidFill>
                 <a:srgbClr val="00B050"/>
-              </a:solidFill>
-              <a:latin typeface="Courier New" pitchFamily="49" charset="0"/>
-              <a:cs typeface="Courier New" pitchFamily="49" charset="0"/>
-            </a:endParaRPr>
-          </a:p>
-          <a:p>
-            <a:pPr marL="0" indent="0">
-              <a:buNone/>
-            </a:pPr>
-            <a:r>
-              <a:rPr lang="en-US" sz="1400" b="1" dirty="0">
-                <a:solidFill>
-                  <a:srgbClr val="00B050"/>
-                </a:solidFill>
-                <a:latin typeface="Courier New" pitchFamily="49" charset="0"/>
-                <a:cs typeface="Courier New" pitchFamily="49" charset="0"/>
-              </a:rPr>
-              <a:t>// Reset variables to original state</a:t>
-            </a:r>
-            <a:endParaRPr lang="en-US" sz="1400" b="1" dirty="0">
-              <a:solidFill>
-                <a:schemeClr val="accent2"/>
               </a:solidFill>
               <a:latin typeface="Courier New" pitchFamily="49" charset="0"/>
               <a:cs typeface="Courier New" pitchFamily="49" charset="0"/>
@@ -10149,26 +10213,39 @@
                                   </p:childTnLst>
                                 </p:cTn>
                               </p:par>
-                            </p:childTnLst>
-                          </p:cTn>
-                        </p:par>
-                      </p:childTnLst>
-                    </p:cTn>
-                  </p:par>
-                  <p:par>
-                    <p:cTn id="15" fill="hold">
-                      <p:stCondLst>
-                        <p:cond delay="indefinite"/>
-                      </p:stCondLst>
-                      <p:childTnLst>
-                        <p:par>
-                          <p:cTn id="16" fill="hold">
-                            <p:stCondLst>
-                              <p:cond delay="0"/>
-                            </p:stCondLst>
-                            <p:childTnLst>
                               <p:par>
-                                <p:cTn id="17" presetID="1" presetClass="entr" presetSubtype="0" fill="hold" nodeType="clickEffect">
+                                <p:cTn id="15" presetID="1" presetClass="entr" presetSubtype="0" fill="hold" nodeType="withEffect">
+                                  <p:stCondLst>
+                                    <p:cond delay="0"/>
+                                  </p:stCondLst>
+                                  <p:childTnLst>
+                                    <p:set>
+                                      <p:cBhvr>
+                                        <p:cTn id="16" dur="1" fill="hold">
+                                          <p:stCondLst>
+                                            <p:cond delay="0"/>
+                                          </p:stCondLst>
+                                        </p:cTn>
+                                        <p:tgtEl>
+                                          <p:spTgt spid="3">
+                                            <p:txEl>
+                                              <p:pRg st="10" end="10"/>
+                                            </p:txEl>
+                                          </p:spTgt>
+                                        </p:tgtEl>
+                                        <p:attrNameLst>
+                                          <p:attrName>style.visibility</p:attrName>
+                                        </p:attrNameLst>
+                                      </p:cBhvr>
+                                      <p:to>
+                                        <p:strVal val="visible"/>
+                                      </p:to>
+                                    </p:set>
+                                  </p:childTnLst>
+                                </p:cTn>
+                              </p:par>
+                              <p:par>
+                                <p:cTn id="17" presetID="1" presetClass="entr" presetSubtype="0" fill="hold" nodeType="withEffect">
                                   <p:stCondLst>
                                     <p:cond delay="0"/>
                                   </p:stCondLst>
@@ -10183,7 +10260,7 @@
                                         <p:tgtEl>
                                           <p:spTgt spid="3">
                                             <p:txEl>
-                                              <p:pRg st="9" end="9"/>
+                                              <p:pRg st="11" end="11"/>
                                             </p:txEl>
                                           </p:spTgt>
                                         </p:tgtEl>
@@ -10214,7 +10291,7 @@
                                         <p:tgtEl>
                                           <p:spTgt spid="3">
                                             <p:txEl>
-                                              <p:pRg st="10" end="10"/>
+                                              <p:pRg st="13" end="13"/>
                                             </p:txEl>
                                           </p:spTgt>
                                         </p:tgtEl>
@@ -10245,118 +10322,7 @@
                                         <p:tgtEl>
                                           <p:spTgt spid="3">
                                             <p:txEl>
-                                              <p:pRg st="11" end="11"/>
-                                            </p:txEl>
-                                          </p:spTgt>
-                                        </p:tgtEl>
-                                        <p:attrNameLst>
-                                          <p:attrName>style.visibility</p:attrName>
-                                        </p:attrNameLst>
-                                      </p:cBhvr>
-                                      <p:to>
-                                        <p:strVal val="visible"/>
-                                      </p:to>
-                                    </p:set>
-                                  </p:childTnLst>
-                                </p:cTn>
-                              </p:par>
-                            </p:childTnLst>
-                          </p:cTn>
-                        </p:par>
-                      </p:childTnLst>
-                    </p:cTn>
-                  </p:par>
-                  <p:par>
-                    <p:cTn id="23" fill="hold">
-                      <p:stCondLst>
-                        <p:cond delay="indefinite"/>
-                      </p:stCondLst>
-                      <p:childTnLst>
-                        <p:par>
-                          <p:cTn id="24" fill="hold">
-                            <p:stCondLst>
-                              <p:cond delay="0"/>
-                            </p:stCondLst>
-                            <p:childTnLst>
-                              <p:par>
-                                <p:cTn id="25" presetID="1" presetClass="entr" presetSubtype="0" fill="hold" nodeType="clickEffect">
-                                  <p:stCondLst>
-                                    <p:cond delay="0"/>
-                                  </p:stCondLst>
-                                  <p:childTnLst>
-                                    <p:set>
-                                      <p:cBhvr>
-                                        <p:cTn id="26" dur="1" fill="hold">
-                                          <p:stCondLst>
-                                            <p:cond delay="0"/>
-                                          </p:stCondLst>
-                                        </p:cTn>
-                                        <p:tgtEl>
-                                          <p:spTgt spid="3">
-                                            <p:txEl>
-                                              <p:pRg st="13" end="13"/>
-                                            </p:txEl>
-                                          </p:spTgt>
-                                        </p:tgtEl>
-                                        <p:attrNameLst>
-                                          <p:attrName>style.visibility</p:attrName>
-                                        </p:attrNameLst>
-                                      </p:cBhvr>
-                                      <p:to>
-                                        <p:strVal val="visible"/>
-                                      </p:to>
-                                    </p:set>
-                                  </p:childTnLst>
-                                </p:cTn>
-                              </p:par>
-                              <p:par>
-                                <p:cTn id="27" presetID="1" presetClass="entr" presetSubtype="0" fill="hold" nodeType="withEffect">
-                                  <p:stCondLst>
-                                    <p:cond delay="0"/>
-                                  </p:stCondLst>
-                                  <p:childTnLst>
-                                    <p:set>
-                                      <p:cBhvr>
-                                        <p:cTn id="28" dur="1" fill="hold">
-                                          <p:stCondLst>
-                                            <p:cond delay="0"/>
-                                          </p:stCondLst>
-                                        </p:cTn>
-                                        <p:tgtEl>
-                                          <p:spTgt spid="3">
-                                            <p:txEl>
                                               <p:pRg st="14" end="14"/>
-                                            </p:txEl>
-                                          </p:spTgt>
-                                        </p:tgtEl>
-                                        <p:attrNameLst>
-                                          <p:attrName>style.visibility</p:attrName>
-                                        </p:attrNameLst>
-                                      </p:cBhvr>
-                                      <p:to>
-                                        <p:strVal val="visible"/>
-                                      </p:to>
-                                    </p:set>
-                                  </p:childTnLst>
-                                </p:cTn>
-                              </p:par>
-                              <p:par>
-                                <p:cTn id="29" presetID="1" presetClass="entr" presetSubtype="0" fill="hold" nodeType="withEffect">
-                                  <p:stCondLst>
-                                    <p:cond delay="0"/>
-                                  </p:stCondLst>
-                                  <p:childTnLst>
-                                    <p:set>
-                                      <p:cBhvr>
-                                        <p:cTn id="30" dur="1" fill="hold">
-                                          <p:stCondLst>
-                                            <p:cond delay="0"/>
-                                          </p:stCondLst>
-                                        </p:cTn>
-                                        <p:tgtEl>
-                                          <p:spTgt spid="3">
-                                            <p:txEl>
-                                              <p:pRg st="15" end="15"/>
                                             </p:txEl>
                                           </p:spTgt>
                                         </p:tgtEl>
